--- a/module 3.pptx
+++ b/module 3.pptx
@@ -137,6 +137,7 @@
     <p1510:client id="{80726025-691E-57A8-295B-17F64B81C912}" v="1381" dt="2025-02-06T21:44:31.343"/>
     <p1510:client id="{8BB38AE3-1345-B32B-1CD0-F58E98E41A0E}" v="143" dt="2025-02-05T17:36:21.828"/>
     <p1510:client id="{ADB2CC03-F667-5EE0-2770-5C27C30E0A81}" v="30" dt="2025-02-06T18:58:48.681"/>
+    <p1510:client id="{FEB20CB9-7D4A-B17C-4432-6773E5D94DB6}" v="142" dt="2025-02-06T22:18:19.385"/>
   </p1510:revLst>
 </p1510:revInfo>
 </file>
@@ -3257,7 +3258,7 @@
         <p:spPr>
           <a:xfrm>
             <a:off x="728518" y="1317624"/>
-            <a:ext cx="5146964" cy="4351338"/>
+            <a:ext cx="5295405" cy="4351338"/>
           </a:xfrm>
         </p:spPr>
         <p:txBody>
@@ -3266,28 +3267,41 @@
           </a:bodyPr>
           <a:lstStyle/>
           <a:p>
-            <a:pPr marL="0" indent="0">
+            <a:pPr marL="0" indent="0" algn="just">
               <a:spcBef>
                 <a:spcPts val="0"/>
               </a:spcBef>
               <a:buNone/>
             </a:pPr>
             <a:r>
-              <a:rPr lang="en-US" sz="1300" dirty="0">
+              <a:rPr lang="en-US" sz="1300" b="1" dirty="0">
                 <a:latin typeface="Times New Roman"/>
                 <a:cs typeface="Times New Roman"/>
               </a:rPr>
               <a:t>Configuration Management in IT and Software Development</a:t>
             </a:r>
-            <a:endParaRPr lang="en-US"/>
-          </a:p>
-          <a:p>
-            <a:pPr marL="0" indent="0">
+            <a:endParaRPr lang="en-US" b="1"/>
+          </a:p>
+          <a:p>
+            <a:pPr marL="0" indent="0" algn="just">
               <a:spcBef>
                 <a:spcPts val="0"/>
               </a:spcBef>
               <a:buNone/>
             </a:pPr>
+            <a:endParaRPr lang="en-US" sz="1300" dirty="0">
+              <a:latin typeface="Times New Roman"/>
+              <a:ea typeface="+mn-lt"/>
+              <a:cs typeface="Times New Roman"/>
+            </a:endParaRPr>
+          </a:p>
+          <a:p>
+            <a:pPr marL="0" indent="0" algn="just">
+              <a:spcBef>
+                <a:spcPts val="0"/>
+              </a:spcBef>
+              <a:buNone/>
+            </a:pPr>
             <a:r>
               <a:rPr lang="en-US" sz="1300" dirty="0">
                 <a:latin typeface="Times New Roman"/>
@@ -3302,7 +3316,7 @@
             </a:endParaRPr>
           </a:p>
           <a:p>
-            <a:pPr marL="0" indent="0">
+            <a:pPr marL="0" indent="0" algn="just">
               <a:spcBef>
                 <a:spcPts val="0"/>
               </a:spcBef>
@@ -4026,7 +4040,7 @@
         <p:spPr>
           <a:xfrm>
             <a:off x="6020790" y="1270660"/>
-            <a:ext cx="4623460" cy="2677656"/>
+            <a:ext cx="4623460" cy="2893100"/>
           </a:xfrm>
           <a:prstGeom prst="rect">
             <a:avLst/>
@@ -4050,6 +4064,12 @@
               <a:t>Configuration Management in Engineering</a:t>
             </a:r>
             <a:endParaRPr lang="en-US" sz="1400" dirty="0">
+              <a:latin typeface="Times New Roman"/>
+              <a:cs typeface="Times New Roman"/>
+            </a:endParaRPr>
+          </a:p>
+          <a:p>
+            <a:endParaRPr lang="en-US" sz="1400" b="1" dirty="0">
               <a:latin typeface="Times New Roman"/>
               <a:cs typeface="Times New Roman"/>
             </a:endParaRPr>
@@ -4136,7 +4156,7 @@
         </p:nvSpPr>
         <p:spPr>
           <a:xfrm>
-            <a:off x="6020789" y="4071257"/>
+            <a:off x="6020789" y="4170218"/>
             <a:ext cx="4623460" cy="2756824"/>
           </a:xfrm>
           <a:prstGeom prst="rect">
@@ -5103,8 +5123,8 @@
         </p:nvCxnSpPr>
         <p:spPr>
           <a:xfrm>
-            <a:off x="4779818" y="1999012"/>
-            <a:ext cx="59376" cy="4858987"/>
+            <a:off x="4779818" y="2038596"/>
+            <a:ext cx="29688" cy="4779819"/>
           </a:xfrm>
           <a:prstGeom prst="straightConnector1">
             <a:avLst/>
@@ -5144,8 +5164,8 @@
         </p:nvSpPr>
         <p:spPr>
           <a:xfrm>
-            <a:off x="4892634" y="2121725"/>
-            <a:ext cx="5751615" cy="4693593"/>
+            <a:off x="4862154" y="2121725"/>
+            <a:ext cx="5792255" cy="4713913"/>
           </a:xfrm>
           <a:prstGeom prst="rect">
             <a:avLst/>
@@ -5456,6 +5476,36 @@
           </a:p>
         </p:txBody>
       </p:sp>
+      <p:pic>
+        <p:nvPicPr>
+          <p:cNvPr id="10" name="Picture 9" descr="Top 5 Deployment Strategies - Sails Software Inc">
+            <a:extLst>
+              <a:ext uri="{FF2B5EF4-FFF2-40B4-BE49-F238E27FC236}">
+                <a16:creationId xmlns:a16="http://schemas.microsoft.com/office/drawing/2014/main" id="{ABFF54C8-881F-D22D-5603-99326300E9C2}"/>
+              </a:ext>
+            </a:extLst>
+          </p:cNvPr>
+          <p:cNvPicPr>
+            <a:picLocks noChangeAspect="1"/>
+          </p:cNvPicPr>
+          <p:nvPr/>
+        </p:nvPicPr>
+        <p:blipFill>
+          <a:blip r:embed="rId3"/>
+          <a:stretch>
+            <a:fillRect/>
+          </a:stretch>
+        </p:blipFill>
+        <p:spPr>
+          <a:xfrm>
+            <a:off x="8442960" y="1905000"/>
+            <a:ext cx="2092960" cy="2032000"/>
+          </a:xfrm>
+          <a:prstGeom prst="rect">
+            <a:avLst/>
+          </a:prstGeom>
+        </p:spPr>
+      </p:pic>
     </p:spTree>
     <p:extLst>
       <p:ext uri="{BB962C8B-B14F-4D97-AF65-F5344CB8AC3E}">
@@ -8807,6 +8857,36 @@
           </a:p>
         </p:txBody>
       </p:sp>
+      <p:pic>
+        <p:nvPicPr>
+          <p:cNvPr id="3" name="Picture 2" descr="DevOps">
+            <a:extLst>
+              <a:ext uri="{FF2B5EF4-FFF2-40B4-BE49-F238E27FC236}">
+                <a16:creationId xmlns:a16="http://schemas.microsoft.com/office/drawing/2014/main" id="{A3F2E3DB-0B1B-1DB1-4B34-B1498125EB53}"/>
+              </a:ext>
+            </a:extLst>
+          </p:cNvPr>
+          <p:cNvPicPr>
+            <a:picLocks noChangeAspect="1"/>
+          </p:cNvPicPr>
+          <p:nvPr/>
+        </p:nvPicPr>
+        <p:blipFill>
+          <a:blip r:embed="rId3"/>
+          <a:stretch>
+            <a:fillRect/>
+          </a:stretch>
+        </p:blipFill>
+        <p:spPr>
+          <a:xfrm>
+            <a:off x="9035097" y="2184717"/>
+            <a:ext cx="1609725" cy="842645"/>
+          </a:xfrm>
+          <a:prstGeom prst="rect">
+            <a:avLst/>
+          </a:prstGeom>
+        </p:spPr>
+      </p:pic>
     </p:spTree>
     <p:extLst>
       <p:ext uri="{BB962C8B-B14F-4D97-AF65-F5344CB8AC3E}">
@@ -10896,7 +10976,7 @@
         </p:nvSpPr>
         <p:spPr>
           <a:xfrm>
-            <a:off x="6159334" y="2418608"/>
+            <a:off x="6149174" y="2713248"/>
             <a:ext cx="4544291" cy="4216539"/>
           </a:xfrm>
           <a:prstGeom prst="rect">
@@ -11122,6 +11202,36 @@
           </a:p>
         </p:txBody>
       </p:sp>
+      <p:pic>
+        <p:nvPicPr>
+          <p:cNvPr id="12" name="Picture 11" descr="Infrastructure as Code (IAC)? - Cisco">
+            <a:extLst>
+              <a:ext uri="{FF2B5EF4-FFF2-40B4-BE49-F238E27FC236}">
+                <a16:creationId xmlns:a16="http://schemas.microsoft.com/office/drawing/2014/main" id="{86BAF3AF-BD95-D080-31FD-CB4603E5B14F}"/>
+              </a:ext>
+            </a:extLst>
+          </p:cNvPr>
+          <p:cNvPicPr>
+            <a:picLocks noChangeAspect="1"/>
+          </p:cNvPicPr>
+          <p:nvPr/>
+        </p:nvPicPr>
+        <p:blipFill>
+          <a:blip r:embed="rId3"/>
+          <a:stretch>
+            <a:fillRect/>
+          </a:stretch>
+        </p:blipFill>
+        <p:spPr>
+          <a:xfrm>
+            <a:off x="8589010" y="2202180"/>
+            <a:ext cx="2105660" cy="1163320"/>
+          </a:xfrm>
+          <a:prstGeom prst="rect">
+            <a:avLst/>
+          </a:prstGeom>
+        </p:spPr>
+      </p:pic>
     </p:spTree>
     <p:extLst>
       <p:ext uri="{BB962C8B-B14F-4D97-AF65-F5344CB8AC3E}">
@@ -13343,6 +13453,36 @@
           </a:p>
         </p:txBody>
       </p:sp>
+      <p:pic>
+        <p:nvPicPr>
+          <p:cNvPr id="10" name="Picture 9" descr="Linux - Wikipedia">
+            <a:extLst>
+              <a:ext uri="{FF2B5EF4-FFF2-40B4-BE49-F238E27FC236}">
+                <a16:creationId xmlns:a16="http://schemas.microsoft.com/office/drawing/2014/main" id="{75519665-5FFC-61A9-5407-961D20D2A27F}"/>
+              </a:ext>
+            </a:extLst>
+          </p:cNvPr>
+          <p:cNvPicPr>
+            <a:picLocks noChangeAspect="1"/>
+          </p:cNvPicPr>
+          <p:nvPr/>
+        </p:nvPicPr>
+        <p:blipFill>
+          <a:blip r:embed="rId3"/>
+          <a:stretch>
+            <a:fillRect/>
+          </a:stretch>
+        </p:blipFill>
+        <p:spPr>
+          <a:xfrm>
+            <a:off x="9504045" y="5396230"/>
+            <a:ext cx="1129030" cy="1358900"/>
+          </a:xfrm>
+          <a:prstGeom prst="rect">
+            <a:avLst/>
+          </a:prstGeom>
+        </p:spPr>
+      </p:pic>
     </p:spTree>
     <p:extLst>
       <p:ext uri="{BB962C8B-B14F-4D97-AF65-F5344CB8AC3E}">
@@ -13798,8 +13938,8 @@
         </p:nvSpPr>
         <p:spPr>
           <a:xfrm>
-            <a:off x="835231" y="1844634"/>
-            <a:ext cx="9561614" cy="4524315"/>
+            <a:off x="785751" y="1814946"/>
+            <a:ext cx="9561614" cy="5093702"/>
           </a:xfrm>
           <a:prstGeom prst="rect">
             <a:avLst/>
@@ -13816,7 +13956,7 @@
           <a:lstStyle/>
           <a:p>
             <a:r>
-              <a:rPr lang="en-US" sz="1200" b="1" dirty="0">
+              <a:rPr lang="en-US" sz="1300" b="1" dirty="0">
                 <a:latin typeface="Times New Roman"/>
                 <a:cs typeface="Times New Roman"/>
               </a:rPr>
@@ -13824,11 +13964,12 @@
             </a:r>
           </a:p>
           <a:p>
-            <a:pPr marL="228600" indent="-228600">
-              <a:buAutoNum type="arabicPeriod"/>
-            </a:pPr>
-            <a:r>
-              <a:rPr lang="en-US" sz="1200" dirty="0">
+            <a:pPr marL="285750" indent="-285750">
+              <a:buFont typeface="Arial"/>
+              <a:buChar char="•"/>
+            </a:pPr>
+            <a:r>
+              <a:rPr lang="en-US" sz="1300" dirty="0">
                 <a:latin typeface="Times New Roman"/>
                 <a:cs typeface="Times New Roman"/>
               </a:rPr>
@@ -13836,11 +13977,12 @@
             </a:r>
           </a:p>
           <a:p>
-            <a:pPr marL="228600" indent="-228600">
-              <a:buAutoNum type="arabicPeriod"/>
-            </a:pPr>
-            <a:r>
-              <a:rPr lang="en-US" sz="1200" dirty="0">
+            <a:pPr marL="285750" indent="-285750">
+              <a:buFont typeface="Arial"/>
+              <a:buChar char="•"/>
+            </a:pPr>
+            <a:r>
+              <a:rPr lang="en-US" sz="1300" dirty="0">
                 <a:latin typeface="Times New Roman"/>
                 <a:cs typeface="Times New Roman"/>
               </a:rPr>
@@ -13848,18 +13990,19 @@
             </a:r>
           </a:p>
           <a:p>
-            <a:pPr marL="228600" indent="-228600">
-              <a:buAutoNum type="arabicPeriod"/>
-            </a:pPr>
-            <a:r>
-              <a:rPr lang="en-US" sz="1200" err="1">
+            <a:pPr marL="285750" indent="-285750">
+              <a:buFont typeface="Arial"/>
+              <a:buChar char="•"/>
+            </a:pPr>
+            <a:r>
+              <a:rPr lang="en-US" sz="1300" err="1">
                 <a:latin typeface="Times New Roman"/>
                 <a:cs typeface="Times New Roman"/>
               </a:rPr>
               <a:t>pwd</a:t>
             </a:r>
             <a:r>
-              <a:rPr lang="en-US" sz="1200" dirty="0">
+              <a:rPr lang="en-US" sz="1300" dirty="0">
                 <a:latin typeface="Times New Roman"/>
                 <a:cs typeface="Times New Roman"/>
               </a:rPr>
@@ -13867,18 +14010,19 @@
             </a:r>
           </a:p>
           <a:p>
-            <a:pPr marL="228600" indent="-228600">
-              <a:buAutoNum type="arabicPeriod"/>
-            </a:pPr>
-            <a:r>
-              <a:rPr lang="en-US" sz="1200" err="1">
+            <a:pPr marL="285750" indent="-285750">
+              <a:buFont typeface="Arial"/>
+              <a:buChar char="•"/>
+            </a:pPr>
+            <a:r>
+              <a:rPr lang="en-US" sz="1300" err="1">
                 <a:latin typeface="Times New Roman"/>
                 <a:cs typeface="Times New Roman"/>
               </a:rPr>
               <a:t>mkdir</a:t>
             </a:r>
             <a:r>
-              <a:rPr lang="en-US" sz="1200" dirty="0">
+              <a:rPr lang="en-US" sz="1300" dirty="0">
                 <a:latin typeface="Times New Roman"/>
                 <a:cs typeface="Times New Roman"/>
               </a:rPr>
@@ -13886,11 +14030,12 @@
             </a:r>
           </a:p>
           <a:p>
-            <a:pPr marL="228600" indent="-228600">
-              <a:buAutoNum type="arabicPeriod"/>
-            </a:pPr>
-            <a:r>
-              <a:rPr lang="en-US" sz="1200" dirty="0">
+            <a:pPr marL="285750" indent="-285750">
+              <a:buFont typeface="Arial"/>
+              <a:buChar char="•"/>
+            </a:pPr>
+            <a:r>
+              <a:rPr lang="en-US" sz="1300" dirty="0">
                 <a:latin typeface="Times New Roman"/>
                 <a:cs typeface="Times New Roman"/>
               </a:rPr>
@@ -13898,11 +14043,12 @@
             </a:r>
           </a:p>
           <a:p>
-            <a:pPr marL="228600" indent="-228600">
-              <a:buAutoNum type="arabicPeriod"/>
-            </a:pPr>
-            <a:r>
-              <a:rPr lang="en-US" sz="1200" dirty="0">
+            <a:pPr marL="285750" indent="-285750">
+              <a:buFont typeface="Arial"/>
+              <a:buChar char="•"/>
+            </a:pPr>
+            <a:r>
+              <a:rPr lang="en-US" sz="1300" dirty="0">
                 <a:latin typeface="Times New Roman"/>
                 <a:cs typeface="Times New Roman"/>
               </a:rPr>
@@ -13910,11 +14056,12 @@
             </a:r>
           </a:p>
           <a:p>
-            <a:pPr marL="228600" indent="-228600">
-              <a:buAutoNum type="arabicPeriod"/>
-            </a:pPr>
-            <a:r>
-              <a:rPr lang="en-US" sz="1200" dirty="0">
+            <a:pPr marL="285750" indent="-285750">
+              <a:buFont typeface="Arial"/>
+              <a:buChar char="•"/>
+            </a:pPr>
+            <a:r>
+              <a:rPr lang="en-US" sz="1300" dirty="0">
                 <a:latin typeface="Times New Roman"/>
                 <a:cs typeface="Times New Roman"/>
               </a:rPr>
@@ -13922,11 +14069,12 @@
             </a:r>
           </a:p>
           <a:p>
-            <a:pPr marL="228600" indent="-228600">
-              <a:buAutoNum type="arabicPeriod"/>
-            </a:pPr>
-            <a:r>
-              <a:rPr lang="en-US" sz="1200" dirty="0">
+            <a:pPr marL="285750" indent="-285750">
+              <a:buFont typeface="Arial"/>
+              <a:buChar char="•"/>
+            </a:pPr>
+            <a:r>
+              <a:rPr lang="en-US" sz="1300" dirty="0">
                 <a:latin typeface="Times New Roman"/>
                 <a:cs typeface="Times New Roman"/>
               </a:rPr>
@@ -13934,11 +14082,12 @@
             </a:r>
           </a:p>
           <a:p>
-            <a:pPr marL="228600" indent="-228600">
-              <a:buAutoNum type="arabicPeriod"/>
-            </a:pPr>
-            <a:r>
-              <a:rPr lang="en-US" sz="1200" dirty="0">
+            <a:pPr marL="285750" indent="-285750">
+              <a:buFont typeface="Arial"/>
+              <a:buChar char="•"/>
+            </a:pPr>
+            <a:r>
+              <a:rPr lang="en-US" sz="1300" dirty="0">
                 <a:latin typeface="Times New Roman"/>
                 <a:cs typeface="Times New Roman"/>
               </a:rPr>
@@ -13946,11 +14095,12 @@
             </a:r>
           </a:p>
           <a:p>
-            <a:pPr marL="228600" indent="-228600">
-              <a:buAutoNum type="arabicPeriod"/>
-            </a:pPr>
-            <a:r>
-              <a:rPr lang="en-US" sz="1200" dirty="0">
+            <a:pPr marL="285750" indent="-285750">
+              <a:buFont typeface="Arial"/>
+              <a:buChar char="•"/>
+            </a:pPr>
+            <a:r>
+              <a:rPr lang="en-US" sz="1300" dirty="0">
                 <a:latin typeface="Times New Roman"/>
                 <a:cs typeface="Times New Roman"/>
               </a:rPr>
@@ -13958,11 +14108,12 @@
             </a:r>
           </a:p>
           <a:p>
-            <a:pPr marL="228600" indent="-228600">
-              <a:buAutoNum type="arabicPeriod"/>
-            </a:pPr>
-            <a:r>
-              <a:rPr lang="en-US" sz="1200" dirty="0">
+            <a:pPr marL="285750" indent="-285750">
+              <a:buFont typeface="Arial"/>
+              <a:buChar char="•"/>
+            </a:pPr>
+            <a:r>
+              <a:rPr lang="en-US" sz="1300" dirty="0">
                 <a:latin typeface="Times New Roman"/>
                 <a:cs typeface="Times New Roman"/>
               </a:rPr>
@@ -13970,11 +14121,18 @@
             </a:r>
           </a:p>
           <a:p>
-            <a:pPr marL="228600" indent="-228600">
-              <a:buAutoNum type="arabicPeriod"/>
-            </a:pPr>
-            <a:r>
-              <a:rPr lang="en-US" sz="1200" dirty="0">
+            <a:pPr marL="285750" indent="-285750">
+              <a:buFont typeface="Arial"/>
+              <a:buChar char="•"/>
+            </a:pPr>
+            <a:endParaRPr lang="en-US" sz="1300" dirty="0">
+              <a:latin typeface="Times New Roman"/>
+              <a:cs typeface="Times New Roman"/>
+            </a:endParaRPr>
+          </a:p>
+          <a:p>
+            <a:r>
+              <a:rPr lang="en-US" sz="1400" b="1" dirty="0">
                 <a:latin typeface="Times New Roman"/>
                 <a:cs typeface="Times New Roman"/>
               </a:rPr>
@@ -13982,11 +14140,12 @@
             </a:r>
           </a:p>
           <a:p>
-            <a:pPr marL="228600" indent="-228600">
-              <a:buAutoNum type="arabicPeriod"/>
-            </a:pPr>
-            <a:r>
-              <a:rPr lang="en-US" sz="1200" dirty="0">
+            <a:pPr marL="285750" indent="-285750">
+              <a:buFont typeface="Arial"/>
+              <a:buChar char="•"/>
+            </a:pPr>
+            <a:r>
+              <a:rPr lang="en-US" sz="1300" dirty="0">
                 <a:latin typeface="Times New Roman"/>
                 <a:cs typeface="Times New Roman"/>
               </a:rPr>
@@ -13994,18 +14153,19 @@
             </a:r>
           </a:p>
           <a:p>
-            <a:pPr marL="228600" indent="-228600">
-              <a:buAutoNum type="arabicPeriod"/>
-            </a:pPr>
-            <a:r>
-              <a:rPr lang="en-US" sz="1200" err="1">
+            <a:pPr marL="285750" indent="-285750">
+              <a:buFont typeface="Arial"/>
+              <a:buChar char="•"/>
+            </a:pPr>
+            <a:r>
+              <a:rPr lang="en-US" sz="1300" err="1">
                 <a:latin typeface="Times New Roman"/>
                 <a:cs typeface="Times New Roman"/>
               </a:rPr>
               <a:t>df</a:t>
             </a:r>
             <a:r>
-              <a:rPr lang="en-US" sz="1200" dirty="0">
+              <a:rPr lang="en-US" sz="1300" dirty="0">
                 <a:latin typeface="Times New Roman"/>
                 <a:cs typeface="Times New Roman"/>
               </a:rPr>
@@ -14013,11 +14173,12 @@
             </a:r>
           </a:p>
           <a:p>
-            <a:pPr marL="228600" indent="-228600">
-              <a:buAutoNum type="arabicPeriod"/>
-            </a:pPr>
-            <a:r>
-              <a:rPr lang="en-US" sz="1200" dirty="0">
+            <a:pPr marL="285750" indent="-285750">
+              <a:buFont typeface="Arial"/>
+              <a:buChar char="•"/>
+            </a:pPr>
+            <a:r>
+              <a:rPr lang="en-US" sz="1300" dirty="0">
                 <a:latin typeface="Times New Roman"/>
                 <a:cs typeface="Times New Roman"/>
               </a:rPr>
@@ -14025,11 +14186,12 @@
             </a:r>
           </a:p>
           <a:p>
-            <a:pPr marL="228600" indent="-228600">
-              <a:buAutoNum type="arabicPeriod"/>
-            </a:pPr>
-            <a:r>
-              <a:rPr lang="en-US" sz="1200" dirty="0">
+            <a:pPr marL="285750" indent="-285750">
+              <a:buFont typeface="Arial"/>
+              <a:buChar char="•"/>
+            </a:pPr>
+            <a:r>
+              <a:rPr lang="en-US" sz="1300" dirty="0">
                 <a:latin typeface="Times New Roman"/>
                 <a:cs typeface="Times New Roman"/>
               </a:rPr>
@@ -14037,18 +14199,19 @@
             </a:r>
           </a:p>
           <a:p>
-            <a:pPr marL="228600" indent="-228600">
-              <a:buAutoNum type="arabicPeriod"/>
-            </a:pPr>
-            <a:r>
-              <a:rPr lang="en-US" sz="1200" err="1">
+            <a:pPr marL="285750" indent="-285750">
+              <a:buFont typeface="Arial"/>
+              <a:buChar char="•"/>
+            </a:pPr>
+            <a:r>
+              <a:rPr lang="en-US" sz="1300" err="1">
                 <a:latin typeface="Times New Roman"/>
                 <a:cs typeface="Times New Roman"/>
               </a:rPr>
               <a:t>whoami</a:t>
             </a:r>
             <a:r>
-              <a:rPr lang="en-US" sz="1200" dirty="0">
+              <a:rPr lang="en-US" sz="1300" dirty="0">
                 <a:latin typeface="Times New Roman"/>
                 <a:cs typeface="Times New Roman"/>
               </a:rPr>
@@ -14056,18 +14219,19 @@
             </a:r>
           </a:p>
           <a:p>
-            <a:pPr marL="228600" indent="-228600">
-              <a:buAutoNum type="arabicPeriod"/>
-            </a:pPr>
-            <a:r>
-              <a:rPr lang="en-US" sz="1200" err="1">
+            <a:pPr marL="285750" indent="-285750">
+              <a:buFont typeface="Arial"/>
+              <a:buChar char="•"/>
+            </a:pPr>
+            <a:r>
+              <a:rPr lang="en-US" sz="1300" err="1">
                 <a:latin typeface="Times New Roman"/>
                 <a:cs typeface="Times New Roman"/>
               </a:rPr>
               <a:t>adduser</a:t>
             </a:r>
             <a:r>
-              <a:rPr lang="en-US" sz="1200" dirty="0">
+              <a:rPr lang="en-US" sz="1300" dirty="0">
                 <a:latin typeface="Times New Roman"/>
                 <a:cs typeface="Times New Roman"/>
               </a:rPr>
@@ -14075,11 +14239,12 @@
             </a:r>
           </a:p>
           <a:p>
-            <a:pPr marL="228600" indent="-228600">
-              <a:buAutoNum type="arabicPeriod"/>
-            </a:pPr>
-            <a:r>
-              <a:rPr lang="en-US" sz="1200" dirty="0">
+            <a:pPr marL="285750" indent="-285750">
+              <a:buFont typeface="Arial"/>
+              <a:buChar char="•"/>
+            </a:pPr>
+            <a:r>
+              <a:rPr lang="en-US" sz="1300" dirty="0">
                 <a:latin typeface="Times New Roman"/>
                 <a:cs typeface="Times New Roman"/>
               </a:rPr>
@@ -14087,11 +14252,12 @@
             </a:r>
           </a:p>
           <a:p>
-            <a:pPr marL="228600" indent="-228600">
-              <a:buAutoNum type="arabicPeriod"/>
-            </a:pPr>
-            <a:r>
-              <a:rPr lang="en-US" sz="1200" dirty="0">
+            <a:pPr marL="285750" indent="-285750">
+              <a:buFont typeface="Arial"/>
+              <a:buChar char="•"/>
+            </a:pPr>
+            <a:r>
+              <a:rPr lang="en-US" sz="1300" dirty="0">
                 <a:latin typeface="Times New Roman"/>
                 <a:cs typeface="Times New Roman"/>
               </a:rPr>
@@ -14099,11 +14265,12 @@
             </a:r>
           </a:p>
           <a:p>
-            <a:pPr marL="228600" indent="-228600">
-              <a:buAutoNum type="arabicPeriod"/>
-            </a:pPr>
-            <a:r>
-              <a:rPr lang="en-US" sz="1200" dirty="0">
+            <a:pPr marL="285750" indent="-285750">
+              <a:buFont typeface="Arial"/>
+              <a:buChar char="•"/>
+            </a:pPr>
+            <a:r>
+              <a:rPr lang="en-US" sz="1300" dirty="0">
                 <a:latin typeface="Times New Roman"/>
                 <a:cs typeface="Times New Roman"/>
               </a:rPr>
@@ -14111,25 +14278,26 @@
             </a:r>
           </a:p>
           <a:p>
-            <a:pPr marL="228600" indent="-228600">
-              <a:buAutoNum type="arabicPeriod"/>
-            </a:pPr>
-            <a:r>
-              <a:rPr lang="en-US" sz="1200" dirty="0">
+            <a:pPr marL="285750" indent="-285750">
+              <a:buFont typeface="Arial"/>
+              <a:buChar char="•"/>
+            </a:pPr>
+            <a:r>
+              <a:rPr lang="en-US" sz="1300" dirty="0">
                 <a:latin typeface="Times New Roman"/>
                 <a:cs typeface="Times New Roman"/>
               </a:rPr>
               <a:t>yum or </a:t>
             </a:r>
             <a:r>
-              <a:rPr lang="en-US" sz="1200" err="1">
+              <a:rPr lang="en-US" sz="1300" err="1">
                 <a:latin typeface="Times New Roman"/>
                 <a:cs typeface="Times New Roman"/>
               </a:rPr>
               <a:t>dnf</a:t>
             </a:r>
             <a:r>
-              <a:rPr lang="en-US" sz="1200" dirty="0">
+              <a:rPr lang="en-US" sz="1300" dirty="0">
                 <a:latin typeface="Times New Roman"/>
                 <a:cs typeface="Times New Roman"/>
               </a:rPr>
@@ -14137,18 +14305,19 @@
             </a:r>
           </a:p>
           <a:p>
-            <a:pPr marL="228600" indent="-228600">
-              <a:buAutoNum type="arabicPeriod"/>
-            </a:pPr>
-            <a:r>
-              <a:rPr lang="en-US" sz="1200" err="1">
+            <a:pPr marL="285750" indent="-285750">
+              <a:buFont typeface="Arial"/>
+              <a:buChar char="•"/>
+            </a:pPr>
+            <a:r>
+              <a:rPr lang="en-US" sz="1300" err="1">
                 <a:latin typeface="Times New Roman"/>
                 <a:cs typeface="Times New Roman"/>
               </a:rPr>
               <a:t>pacman</a:t>
             </a:r>
             <a:r>
-              <a:rPr lang="en-US" sz="1200" dirty="0">
+              <a:rPr lang="en-US" sz="1300" dirty="0">
                 <a:latin typeface="Times New Roman"/>
                 <a:cs typeface="Times New Roman"/>
               </a:rPr>
@@ -15393,8 +15562,8 @@
         </p:nvSpPr>
         <p:spPr>
           <a:xfrm>
-            <a:off x="756003" y="2275431"/>
-            <a:ext cx="9664044" cy="4666364"/>
+            <a:off x="726315" y="2275431"/>
+            <a:ext cx="9970822" cy="4666364"/>
           </a:xfrm>
         </p:spPr>
         <p:txBody>
@@ -16009,6 +16178,41 @@
           </a:p>
         </p:txBody>
       </p:sp>
+      <p:pic>
+        <p:nvPicPr>
+          <p:cNvPr id="12" name="Picture 11" descr="What Is CI/CD and How Does It Work? | Black Duck">
+            <a:extLst>
+              <a:ext uri="{FF2B5EF4-FFF2-40B4-BE49-F238E27FC236}">
+                <a16:creationId xmlns:a16="http://schemas.microsoft.com/office/drawing/2014/main" id="{058F61A5-5D8F-E98B-4597-87BB672CC999}"/>
+              </a:ext>
+            </a:extLst>
+          </p:cNvPr>
+          <p:cNvPicPr>
+            <a:picLocks noChangeAspect="1"/>
+          </p:cNvPicPr>
+          <p:nvPr/>
+        </p:nvPicPr>
+        <p:blipFill>
+          <a:blip r:embed="rId3"/>
+          <a:stretch>
+            <a:fillRect/>
+          </a:stretch>
+        </p:blipFill>
+        <p:spPr>
+          <a:xfrm>
+            <a:off x="7040088" y="3020291"/>
+            <a:ext cx="3475513" cy="1678380"/>
+          </a:xfrm>
+          <a:prstGeom prst="rect">
+            <a:avLst/>
+          </a:prstGeom>
+          <a:ln w="28575">
+            <a:solidFill>
+              <a:schemeClr val="tx1"/>
+            </a:solidFill>
+          </a:ln>
+        </p:spPr>
+      </p:pic>
     </p:spTree>
     <p:extLst>
       <p:ext uri="{BB962C8B-B14F-4D97-AF65-F5344CB8AC3E}">
@@ -18174,7 +18378,7 @@
         </p:nvSpPr>
         <p:spPr>
           <a:xfrm>
-            <a:off x="837375" y="1426482"/>
+            <a:off x="728518" y="1287937"/>
             <a:ext cx="9817925" cy="4351338"/>
           </a:xfrm>
         </p:spPr>
@@ -18205,7 +18409,7 @@
                 <a:ea typeface="+mn-lt"/>
                 <a:cs typeface="+mn-lt"/>
               </a:rPr>
-              <a:t>   Cloud computing refers to the delivery of computing services, such as servers, storage, databases, networking, software, analytics, and intelligence—over the internet ("the cloud"). It eliminates the need for owning physical hardware and allows users to access resources on-demand, paying only for what they use.</a:t>
+              <a:t> </a:t>
             </a:r>
             <a:endParaRPr lang="en-US" sz="1400" dirty="0">
               <a:latin typeface="Times New Roman"/>
@@ -19005,6 +19209,80 @@
               </a:rPr>
               <a:t>Offers a balance of cost-sharing and customization.</a:t>
             </a:r>
+          </a:p>
+        </p:txBody>
+      </p:sp>
+      <p:pic>
+        <p:nvPicPr>
+          <p:cNvPr id="10" name="Picture 9" descr="The Basics of Cloud Computing | Lucidchart">
+            <a:extLst>
+              <a:ext uri="{FF2B5EF4-FFF2-40B4-BE49-F238E27FC236}">
+                <a16:creationId xmlns:a16="http://schemas.microsoft.com/office/drawing/2014/main" id="{8B10F148-59F5-4190-1A58-F64D6DDF05E4}"/>
+              </a:ext>
+            </a:extLst>
+          </p:cNvPr>
+          <p:cNvPicPr>
+            <a:picLocks noChangeAspect="1"/>
+          </p:cNvPicPr>
+          <p:nvPr/>
+        </p:nvPicPr>
+        <p:blipFill>
+          <a:blip r:embed="rId3">
+            <a:alphaModFix/>
+          </a:blip>
+          <a:stretch>
+            <a:fillRect/>
+          </a:stretch>
+        </p:blipFill>
+        <p:spPr>
+          <a:xfrm>
+            <a:off x="8753434" y="1321437"/>
+            <a:ext cx="1906649" cy="1347239"/>
+          </a:xfrm>
+          <a:prstGeom prst="rect">
+            <a:avLst/>
+          </a:prstGeom>
+          <a:effectLst/>
+        </p:spPr>
+      </p:pic>
+      <p:sp>
+        <p:nvSpPr>
+          <p:cNvPr id="12" name="TextBox 11">
+            <a:extLst>
+              <a:ext uri="{FF2B5EF4-FFF2-40B4-BE49-F238E27FC236}">
+                <a16:creationId xmlns:a16="http://schemas.microsoft.com/office/drawing/2014/main" id="{87D167DB-5D01-CA01-D339-178D31A1A3F7}"/>
+              </a:ext>
+            </a:extLst>
+          </p:cNvPr>
+          <p:cNvSpPr txBox="1"/>
+          <p:nvPr/>
+        </p:nvSpPr>
+        <p:spPr>
+          <a:xfrm>
+            <a:off x="726374" y="1458686"/>
+            <a:ext cx="7077694" cy="954107"/>
+          </a:xfrm>
+          <a:prstGeom prst="rect">
+            <a:avLst/>
+          </a:prstGeom>
+          <a:noFill/>
+        </p:spPr>
+        <p:txBody>
+          <a:bodyPr rot="0" spcFirstLastPara="0" vertOverflow="overflow" horzOverflow="overflow" vert="horz" wrap="square" lIns="91440" tIns="45720" rIns="91440" bIns="45720" numCol="1" spcCol="0" rtlCol="0" fromWordArt="0" anchor="t" anchorCtr="0" forceAA="0" compatLnSpc="1">
+            <a:prstTxWarp prst="textNoShape">
+              <a:avLst/>
+            </a:prstTxWarp>
+            <a:spAutoFit/>
+          </a:bodyPr>
+          <a:lstStyle/>
+          <a:p>
+            <a:r>
+              <a:rPr lang="en-US" sz="1400">
+                <a:latin typeface="Times New Roman"/>
+              </a:rPr>
+              <a:t>Cloud computing refers to the delivery of computing services, such as servers, storage, databases, networking, software, analytics, and intelligence—over the internet ("the cloud"). It eliminates the need for owning physical hardware and allows users to access resources on-demand, paying only for what they use.</a:t>
+            </a:r>
+            <a:endParaRPr lang="en-GB"/>
           </a:p>
         </p:txBody>
       </p:sp>
@@ -21254,7 +21532,7 @@
         </p:nvSpPr>
         <p:spPr>
           <a:xfrm>
-            <a:off x="728518" y="1317624"/>
+            <a:off x="837375" y="1683780"/>
             <a:ext cx="5146964" cy="4351338"/>
           </a:xfrm>
         </p:spPr>
@@ -21270,14 +21548,6 @@
               </a:spcBef>
               <a:buNone/>
             </a:pPr>
-            <a:r>
-              <a:rPr lang="en-US" sz="1400" dirty="0">
-                <a:latin typeface="Times New Roman"/>
-                <a:ea typeface="+mn-lt"/>
-                <a:cs typeface="+mn-lt"/>
-              </a:rPr>
-              <a:t>Configuration Management (CM) is a systematic process used to manage and control changes in systems, software, hardware, or infrastructure. It ensures that the system's performance, functionality, and design remain consistent and reliable throughout its lifecycle. CM is widely used in IT, software development, and engineering to maintain the integrity and traceability of configurations.</a:t>
-            </a:r>
             <a:endParaRPr lang="en-US" sz="1400" dirty="0">
               <a:latin typeface="Times New Roman"/>
               <a:cs typeface="Times New Roman"/>
@@ -21315,7 +21585,7 @@
               <a:buNone/>
             </a:pPr>
             <a:r>
-              <a:rPr lang="en-US" sz="1400" dirty="0">
+              <a:rPr lang="en-US" sz="1600" b="1" dirty="0">
                 <a:latin typeface="Times New Roman"/>
                 <a:cs typeface="Times New Roman"/>
               </a:rPr>
@@ -21790,9 +22060,9 @@
           <p:nvPr/>
         </p:nvCxnSpPr>
         <p:spPr>
-          <a:xfrm>
-            <a:off x="6029201" y="1266700"/>
-            <a:ext cx="18143" cy="5666344"/>
+          <a:xfrm flipH="1">
+            <a:off x="5790045" y="1959428"/>
+            <a:ext cx="11545" cy="4874656"/>
           </a:xfrm>
           <a:prstGeom prst="straightConnector1">
             <a:avLst/>
@@ -21832,8 +22102,8 @@
         </p:nvSpPr>
         <p:spPr>
           <a:xfrm>
-            <a:off x="6020790" y="1320140"/>
-            <a:ext cx="4623460" cy="4832092"/>
+            <a:off x="5793181" y="2092035"/>
+            <a:ext cx="5009407" cy="4616648"/>
           </a:xfrm>
           <a:prstGeom prst="rect">
             <a:avLst/>
@@ -22086,6 +22356,47 @@
               </a:rPr>
               <a:t>Used as a reference to compare future changes.</a:t>
             </a:r>
+          </a:p>
+        </p:txBody>
+      </p:sp>
+      <p:sp>
+        <p:nvSpPr>
+          <p:cNvPr id="12" name="TextBox 11">
+            <a:extLst>
+              <a:ext uri="{FF2B5EF4-FFF2-40B4-BE49-F238E27FC236}">
+                <a16:creationId xmlns:a16="http://schemas.microsoft.com/office/drawing/2014/main" id="{43D7027B-AE9F-88BF-A87B-48709794DCAE}"/>
+              </a:ext>
+            </a:extLst>
+          </p:cNvPr>
+          <p:cNvSpPr txBox="1"/>
+          <p:nvPr/>
+        </p:nvSpPr>
+        <p:spPr>
+          <a:xfrm>
+            <a:off x="835231" y="1310244"/>
+            <a:ext cx="9809018" cy="738664"/>
+          </a:xfrm>
+          <a:prstGeom prst="rect">
+            <a:avLst/>
+          </a:prstGeom>
+          <a:noFill/>
+        </p:spPr>
+        <p:txBody>
+          <a:bodyPr rot="0" spcFirstLastPara="0" vertOverflow="overflow" horzOverflow="overflow" vert="horz" wrap="square" lIns="91440" tIns="45720" rIns="91440" bIns="45720" numCol="1" spcCol="0" rtlCol="0" fromWordArt="0" anchor="t" anchorCtr="0" forceAA="0" compatLnSpc="1">
+            <a:prstTxWarp prst="textNoShape">
+              <a:avLst/>
+            </a:prstTxWarp>
+            <a:spAutoFit/>
+          </a:bodyPr>
+          <a:lstStyle/>
+          <a:p>
+            <a:r>
+              <a:rPr lang="en-US" sz="1400">
+                <a:latin typeface="Times New Roman"/>
+              </a:rPr>
+              <a:t>Configuration Management (CM) is a systematic process used to manage and control changes in systems, software, hardware, or infrastructure. It ensures that the system's performance, functionality, and design remain consistent and reliable throughout its lifecycle. CM is widely used in IT, software development, and engineering to maintain the integrity and traceability of configurations.</a:t>
+            </a:r>
+            <a:endParaRPr lang="en-GB"/>
           </a:p>
         </p:txBody>
       </p:sp>

--- a/module 3.pptx
+++ b/module 3.pptx
@@ -23,8 +23,9 @@
     <p:sldId id="322" r:id="rId17"/>
     <p:sldId id="323" r:id="rId18"/>
     <p:sldId id="324" r:id="rId19"/>
-    <p:sldId id="325" r:id="rId20"/>
-    <p:sldId id="309" r:id="rId21"/>
+    <p:sldId id="326" r:id="rId20"/>
+    <p:sldId id="325" r:id="rId21"/>
+    <p:sldId id="309" r:id="rId22"/>
   </p:sldIdLst>
   <p:sldSz cx="12192000" cy="6858000"/>
   <p:notesSz cx="6858000" cy="9144000"/>
@@ -134,10 +135,7 @@
 <file path=ppt/revisionInfo.xml><?xml version="1.0" encoding="utf-8"?>
 <p1510:revInfo xmlns:a="http://schemas.openxmlformats.org/drawingml/2006/main" xmlns:r="http://schemas.openxmlformats.org/officeDocument/2006/relationships" xmlns:p1510="http://schemas.microsoft.com/office/powerpoint/2015/10/main">
   <p1510:revLst>
-    <p1510:client id="{80726025-691E-57A8-295B-17F64B81C912}" v="1381" dt="2025-02-06T21:44:31.343"/>
-    <p1510:client id="{8BB38AE3-1345-B32B-1CD0-F58E98E41A0E}" v="143" dt="2025-02-05T17:36:21.828"/>
-    <p1510:client id="{ADB2CC03-F667-5EE0-2770-5C27C30E0A81}" v="30" dt="2025-02-06T18:58:48.681"/>
-    <p1510:client id="{FEB20CB9-7D4A-B17C-4432-6773E5D94DB6}" v="142" dt="2025-02-06T22:18:19.385"/>
+    <p1510:client id="{2C27808C-67F2-7E4F-01C7-5C02EE273EDD}" v="80" dt="2025-02-10T21:46:01.249"/>
   </p1510:revLst>
 </p1510:revInfo>
 </file>
@@ -271,7 +269,7 @@
           <a:p>
             <a:fld id="{846CE7D5-CF57-46EF-B807-FDD0502418D4}" type="datetimeFigureOut">
               <a:rPr lang="en-US" smtClean="0"/>
-              <a:t>2/6/2025</a:t>
+              <a:t>2/10/2025</a:t>
             </a:fld>
             <a:endParaRPr lang="en-US"/>
           </a:p>
@@ -439,7 +437,7 @@
           <a:p>
             <a:fld id="{846CE7D5-CF57-46EF-B807-FDD0502418D4}" type="datetimeFigureOut">
               <a:rPr lang="en-US" smtClean="0"/>
-              <a:t>2/6/2025</a:t>
+              <a:t>2/10/2025</a:t>
             </a:fld>
             <a:endParaRPr lang="en-US"/>
           </a:p>
@@ -617,7 +615,7 @@
           <a:p>
             <a:fld id="{846CE7D5-CF57-46EF-B807-FDD0502418D4}" type="datetimeFigureOut">
               <a:rPr lang="en-US" smtClean="0"/>
-              <a:t>2/6/2025</a:t>
+              <a:t>2/10/2025</a:t>
             </a:fld>
             <a:endParaRPr lang="en-US"/>
           </a:p>
@@ -785,7 +783,7 @@
           <a:p>
             <a:fld id="{846CE7D5-CF57-46EF-B807-FDD0502418D4}" type="datetimeFigureOut">
               <a:rPr lang="en-US" smtClean="0"/>
-              <a:t>2/6/2025</a:t>
+              <a:t>2/10/2025</a:t>
             </a:fld>
             <a:endParaRPr lang="en-US"/>
           </a:p>
@@ -1030,7 +1028,7 @@
           <a:p>
             <a:fld id="{846CE7D5-CF57-46EF-B807-FDD0502418D4}" type="datetimeFigureOut">
               <a:rPr lang="en-US" smtClean="0"/>
-              <a:t>2/6/2025</a:t>
+              <a:t>2/10/2025</a:t>
             </a:fld>
             <a:endParaRPr lang="en-US"/>
           </a:p>
@@ -1259,7 +1257,7 @@
           <a:p>
             <a:fld id="{846CE7D5-CF57-46EF-B807-FDD0502418D4}" type="datetimeFigureOut">
               <a:rPr lang="en-US" smtClean="0"/>
-              <a:t>2/6/2025</a:t>
+              <a:t>2/10/2025</a:t>
             </a:fld>
             <a:endParaRPr lang="en-US"/>
           </a:p>
@@ -1623,7 +1621,7 @@
           <a:p>
             <a:fld id="{846CE7D5-CF57-46EF-B807-FDD0502418D4}" type="datetimeFigureOut">
               <a:rPr lang="en-US" smtClean="0"/>
-              <a:t>2/6/2025</a:t>
+              <a:t>2/10/2025</a:t>
             </a:fld>
             <a:endParaRPr lang="en-US"/>
           </a:p>
@@ -1740,7 +1738,7 @@
           <a:p>
             <a:fld id="{846CE7D5-CF57-46EF-B807-FDD0502418D4}" type="datetimeFigureOut">
               <a:rPr lang="en-US" smtClean="0"/>
-              <a:t>2/6/2025</a:t>
+              <a:t>2/10/2025</a:t>
             </a:fld>
             <a:endParaRPr lang="en-US"/>
           </a:p>
@@ -1835,7 +1833,7 @@
           <a:p>
             <a:fld id="{846CE7D5-CF57-46EF-B807-FDD0502418D4}" type="datetimeFigureOut">
               <a:rPr lang="en-US" smtClean="0"/>
-              <a:t>2/6/2025</a:t>
+              <a:t>2/10/2025</a:t>
             </a:fld>
             <a:endParaRPr lang="en-US"/>
           </a:p>
@@ -2110,7 +2108,7 @@
           <a:p>
             <a:fld id="{846CE7D5-CF57-46EF-B807-FDD0502418D4}" type="datetimeFigureOut">
               <a:rPr lang="en-US" smtClean="0"/>
-              <a:t>2/6/2025</a:t>
+              <a:t>2/10/2025</a:t>
             </a:fld>
             <a:endParaRPr lang="en-US"/>
           </a:p>
@@ -2365,7 +2363,7 @@
           <a:p>
             <a:fld id="{846CE7D5-CF57-46EF-B807-FDD0502418D4}" type="datetimeFigureOut">
               <a:rPr lang="en-US" smtClean="0"/>
-              <a:t>2/6/2025</a:t>
+              <a:t>2/10/2025</a:t>
             </a:fld>
             <a:endParaRPr lang="en-US"/>
           </a:p>
@@ -2576,7 +2574,7 @@
           <a:p>
             <a:fld id="{846CE7D5-CF57-46EF-B807-FDD0502418D4}" type="datetimeFigureOut">
               <a:rPr lang="en-US" smtClean="0"/>
-              <a:t>2/6/2025</a:t>
+              <a:t>2/10/2025</a:t>
             </a:fld>
             <a:endParaRPr lang="en-US"/>
           </a:p>
@@ -12560,8 +12558,8 @@
         </p:nvSpPr>
         <p:spPr>
           <a:xfrm>
-            <a:off x="670790" y="523462"/>
-            <a:ext cx="10515600" cy="1325563"/>
+            <a:off x="670790" y="503670"/>
+            <a:ext cx="10614561" cy="2117251"/>
           </a:xfrm>
         </p:spPr>
         <p:txBody>
@@ -12569,6 +12567,31 @@
             <a:normAutofit/>
           </a:bodyPr>
           <a:lstStyle/>
+          <a:p>
+            <a:pPr marL="342900" indent="-342900">
+              <a:lnSpc>
+                <a:spcPct val="100000"/>
+              </a:lnSpc>
+              <a:spcBef>
+                <a:spcPts val="0"/>
+              </a:spcBef>
+              <a:buFont typeface="Arial,Sans-Serif"/>
+              <a:buChar char="•"/>
+            </a:pPr>
+            <a:r>
+              <a:rPr lang="en-US" sz="3200" b="1" dirty="0">
+                <a:latin typeface="Times New Roman"/>
+                <a:ea typeface="+mj-lt"/>
+                <a:cs typeface="Times New Roman"/>
+              </a:rPr>
+              <a:t>Linux Custom Script Tasks</a:t>
+            </a:r>
+            <a:endParaRPr lang="en-US" sz="3200">
+              <a:latin typeface="Times New Roman"/>
+              <a:ea typeface="+mj-lt"/>
+              <a:cs typeface="Times New Roman"/>
+            </a:endParaRPr>
+          </a:p>
           <a:p>
             <a:pPr>
               <a:lnSpc>
@@ -12578,21 +12601,28 @@
                 <a:spcPts val="0"/>
               </a:spcBef>
             </a:pPr>
-            <a:r>
-              <a:rPr lang="en-US" sz="3200" b="1" dirty="0">
-                <a:ea typeface="+mj-lt"/>
-                <a:cs typeface="+mj-lt"/>
-              </a:rPr>
-              <a:t>Linux</a:t>
-            </a:r>
-            <a:endParaRPr lang="en-US" b="1" dirty="0">
-              <a:latin typeface="Times New Roman"/>
-              <a:cs typeface="Times New Roman"/>
-            </a:endParaRPr>
-          </a:p>
-          <a:p>
             <a:endParaRPr lang="en-US" sz="3200" b="1" dirty="0">
-              <a:latin typeface="Times New Roman"/>
+              <a:latin typeface="Aptos Display"/>
+              <a:cs typeface="Times New Roman"/>
+            </a:endParaRPr>
+          </a:p>
+          <a:p>
+            <a:endParaRPr lang="en-US" sz="3200" dirty="0">
+              <a:latin typeface="Times New Roman"/>
+              <a:cs typeface="Times New Roman"/>
+            </a:endParaRPr>
+          </a:p>
+          <a:p>
+            <a:pPr>
+              <a:lnSpc>
+                <a:spcPct val="100000"/>
+              </a:lnSpc>
+              <a:spcBef>
+                <a:spcPts val="0"/>
+              </a:spcBef>
+            </a:pPr>
+            <a:endParaRPr lang="en-US" sz="3200" b="1" dirty="0">
+              <a:latin typeface="Aptos Display"/>
               <a:cs typeface="Times New Roman"/>
             </a:endParaRPr>
           </a:p>
@@ -12881,584 +12911,12 @@
           </a:fontRef>
         </p:style>
       </p:cxnSp>
-      <p:cxnSp>
-        <p:nvCxnSpPr>
-          <p:cNvPr id="15" name="Straight Arrow Connector 14">
+      <p:pic>
+        <p:nvPicPr>
+          <p:cNvPr id="3" name="Picture 2">
             <a:extLst>
               <a:ext uri="{FF2B5EF4-FFF2-40B4-BE49-F238E27FC236}">
-                <a16:creationId xmlns:a16="http://schemas.microsoft.com/office/drawing/2014/main" id="{FB334F61-82F6-760D-6D2B-236E7F7A0F90}"/>
-              </a:ext>
-            </a:extLst>
-          </p:cNvPr>
-          <p:cNvCxnSpPr/>
-          <p:nvPr/>
-        </p:nvCxnSpPr>
-        <p:spPr>
-          <a:xfrm>
-            <a:off x="6503391" y="1980048"/>
-            <a:ext cx="7421" cy="4852389"/>
-          </a:xfrm>
-          <a:prstGeom prst="straightConnector1">
-            <a:avLst/>
-          </a:prstGeom>
-          <a:ln>
-            <a:solidFill>
-              <a:schemeClr val="tx1"/>
-            </a:solidFill>
-          </a:ln>
-        </p:spPr>
-        <p:style>
-          <a:lnRef idx="2">
-            <a:schemeClr val="accent1"/>
-          </a:lnRef>
-          <a:fillRef idx="0">
-            <a:schemeClr val="accent1"/>
-          </a:fillRef>
-          <a:effectRef idx="1">
-            <a:schemeClr val="accent1"/>
-          </a:effectRef>
-          <a:fontRef idx="minor">
-            <a:schemeClr val="tx1"/>
-          </a:fontRef>
-        </p:style>
-      </p:cxnSp>
-      <p:sp>
-        <p:nvSpPr>
-          <p:cNvPr id="9" name="TextBox 8">
-            <a:extLst>
-              <a:ext uri="{FF2B5EF4-FFF2-40B4-BE49-F238E27FC236}">
-                <a16:creationId xmlns:a16="http://schemas.microsoft.com/office/drawing/2014/main" id="{0E52618F-5AB0-6D83-6BDE-D55D621322A1}"/>
-              </a:ext>
-            </a:extLst>
-          </p:cNvPr>
-          <p:cNvSpPr txBox="1"/>
-          <p:nvPr/>
-        </p:nvSpPr>
-        <p:spPr>
-          <a:xfrm>
-            <a:off x="785750" y="1290452"/>
-            <a:ext cx="9858498" cy="954107"/>
-          </a:xfrm>
-          <a:prstGeom prst="rect">
-            <a:avLst/>
-          </a:prstGeom>
-          <a:noFill/>
-        </p:spPr>
-        <p:txBody>
-          <a:bodyPr rot="0" spcFirstLastPara="0" vertOverflow="overflow" horzOverflow="overflow" vert="horz" wrap="square" lIns="91440" tIns="45720" rIns="91440" bIns="45720" numCol="1" spcCol="0" rtlCol="0" fromWordArt="0" anchor="t" anchorCtr="0" forceAA="0" compatLnSpc="1">
-            <a:prstTxWarp prst="textNoShape">
-              <a:avLst/>
-            </a:prstTxWarp>
-            <a:spAutoFit/>
-          </a:bodyPr>
-          <a:lstStyle/>
-          <a:p>
-            <a:r>
-              <a:rPr lang="en-US" sz="1400" dirty="0">
-                <a:latin typeface="Times New Roman"/>
-                <a:cs typeface="Times New Roman"/>
-              </a:rPr>
-              <a:t>Linux is a free, open-source, Unix-like operating system (OS) kernel that serves as the foundation for a wide variety of operating systems, commonly referred to as Linux distributions. It was created by </a:t>
-            </a:r>
-            <a:r>
-              <a:rPr lang="en-US" sz="1400" b="1" dirty="0">
-                <a:latin typeface="Times New Roman"/>
-                <a:cs typeface="Times New Roman"/>
-              </a:rPr>
-              <a:t>Linus Torvalds</a:t>
-            </a:r>
-            <a:r>
-              <a:rPr lang="en-US" sz="1400" dirty="0">
-                <a:latin typeface="Times New Roman"/>
-                <a:cs typeface="Times New Roman"/>
-              </a:rPr>
-              <a:t> in 1991 and has since become one of the most widely used operating systems in the world, powering everything from personal computers to servers, smartphones, embedded systems, and supercomputers.</a:t>
-            </a:r>
-          </a:p>
-        </p:txBody>
-      </p:sp>
-      <p:sp>
-        <p:nvSpPr>
-          <p:cNvPr id="12" name="TextBox 11">
-            <a:extLst>
-              <a:ext uri="{FF2B5EF4-FFF2-40B4-BE49-F238E27FC236}">
-                <a16:creationId xmlns:a16="http://schemas.microsoft.com/office/drawing/2014/main" id="{20AE72D6-7480-6F03-D1EC-0A5EF4E068AA}"/>
-              </a:ext>
-            </a:extLst>
-          </p:cNvPr>
-          <p:cNvSpPr txBox="1"/>
-          <p:nvPr/>
-        </p:nvSpPr>
-        <p:spPr>
-          <a:xfrm>
-            <a:off x="835231" y="2250374"/>
-            <a:ext cx="5662550" cy="3046988"/>
-          </a:xfrm>
-          <a:prstGeom prst="rect">
-            <a:avLst/>
-          </a:prstGeom>
-          <a:noFill/>
-        </p:spPr>
-        <p:txBody>
-          <a:bodyPr rot="0" spcFirstLastPara="0" vertOverflow="overflow" horzOverflow="overflow" vert="horz" wrap="square" lIns="91440" tIns="45720" rIns="91440" bIns="45720" numCol="1" spcCol="0" rtlCol="0" fromWordArt="0" anchor="t" anchorCtr="0" forceAA="0" compatLnSpc="1">
-            <a:prstTxWarp prst="textNoShape">
-              <a:avLst/>
-            </a:prstTxWarp>
-            <a:spAutoFit/>
-          </a:bodyPr>
-          <a:lstStyle/>
-          <a:p>
-            <a:r>
-              <a:rPr lang="en-US" sz="1200" b="1" dirty="0">
-                <a:latin typeface="Times New Roman"/>
-                <a:cs typeface="Times New Roman"/>
-              </a:rPr>
-              <a:t>Key Features of Linux:</a:t>
-            </a:r>
-          </a:p>
-          <a:p>
-            <a:pPr>
-              <a:buFont typeface=""/>
-              <a:buAutoNum type="arabicPeriod"/>
-            </a:pPr>
-            <a:r>
-              <a:rPr lang="en-US" sz="1200" b="1" dirty="0">
-                <a:latin typeface="Times New Roman"/>
-                <a:cs typeface="Times New Roman"/>
-              </a:rPr>
-              <a:t>Open Source</a:t>
-            </a:r>
-            <a:r>
-              <a:rPr lang="en-US" sz="1200" dirty="0">
-                <a:latin typeface="Times New Roman"/>
-                <a:cs typeface="Times New Roman"/>
-              </a:rPr>
-              <a:t>: The source code is freely available, allowing anyone to view, modify, and distribute it.</a:t>
-            </a:r>
-          </a:p>
-          <a:p>
-            <a:pPr>
-              <a:buFont typeface=""/>
-              <a:buAutoNum type="arabicPeriod"/>
-            </a:pPr>
-            <a:r>
-              <a:rPr lang="en-US" sz="1200" b="1" dirty="0">
-                <a:latin typeface="Times New Roman"/>
-                <a:cs typeface="Times New Roman"/>
-              </a:rPr>
-              <a:t>Multi-User</a:t>
-            </a:r>
-            <a:r>
-              <a:rPr lang="en-US" sz="1200" dirty="0">
-                <a:latin typeface="Times New Roman"/>
-                <a:cs typeface="Times New Roman"/>
-              </a:rPr>
-              <a:t>: Multiple users can use the system simultaneously without interfering with each other.</a:t>
-            </a:r>
-          </a:p>
-          <a:p>
-            <a:pPr>
-              <a:buFont typeface=""/>
-              <a:buAutoNum type="arabicPeriod"/>
-            </a:pPr>
-            <a:r>
-              <a:rPr lang="en-US" sz="1200" b="1" dirty="0">
-                <a:latin typeface="Times New Roman"/>
-                <a:cs typeface="Times New Roman"/>
-              </a:rPr>
-              <a:t>Multitasking</a:t>
-            </a:r>
-            <a:r>
-              <a:rPr lang="en-US" sz="1200" dirty="0">
-                <a:latin typeface="Times New Roman"/>
-                <a:cs typeface="Times New Roman"/>
-              </a:rPr>
-              <a:t>: Linux can handle multiple tasks or processes at the same time.</a:t>
-            </a:r>
-          </a:p>
-          <a:p>
-            <a:pPr>
-              <a:buFont typeface=""/>
-              <a:buAutoNum type="arabicPeriod"/>
-            </a:pPr>
-            <a:r>
-              <a:rPr lang="en-US" sz="1200" b="1" dirty="0">
-                <a:latin typeface="Times New Roman"/>
-                <a:cs typeface="Times New Roman"/>
-              </a:rPr>
-              <a:t>Portability</a:t>
-            </a:r>
-            <a:r>
-              <a:rPr lang="en-US" sz="1200" dirty="0">
-                <a:latin typeface="Times New Roman"/>
-                <a:cs typeface="Times New Roman"/>
-              </a:rPr>
-              <a:t>: Linux can run on a wide variety of hardware platforms, from small embedded devices to large mainframes.</a:t>
-            </a:r>
-          </a:p>
-          <a:p>
-            <a:pPr>
-              <a:buFont typeface=""/>
-              <a:buAutoNum type="arabicPeriod"/>
-            </a:pPr>
-            <a:r>
-              <a:rPr lang="en-US" sz="1200" b="1" dirty="0">
-                <a:latin typeface="Times New Roman"/>
-                <a:cs typeface="Times New Roman"/>
-              </a:rPr>
-              <a:t>Security</a:t>
-            </a:r>
-            <a:r>
-              <a:rPr lang="en-US" sz="1200" dirty="0">
-                <a:latin typeface="Times New Roman"/>
-                <a:cs typeface="Times New Roman"/>
-              </a:rPr>
-              <a:t>: Linux is known for its robust security features, including user permissions, firewalls, and encryption.</a:t>
-            </a:r>
-          </a:p>
-          <a:p>
-            <a:pPr>
-              <a:buFont typeface=""/>
-              <a:buAutoNum type="arabicPeriod"/>
-            </a:pPr>
-            <a:r>
-              <a:rPr lang="en-US" sz="1200" b="1" dirty="0">
-                <a:latin typeface="Times New Roman"/>
-                <a:cs typeface="Times New Roman"/>
-              </a:rPr>
-              <a:t>Stability</a:t>
-            </a:r>
-            <a:r>
-              <a:rPr lang="en-US" sz="1200" dirty="0">
-                <a:latin typeface="Times New Roman"/>
-                <a:cs typeface="Times New Roman"/>
-              </a:rPr>
-              <a:t>: Linux systems are highly stable and can run for years without requiring a reboot.</a:t>
-            </a:r>
-          </a:p>
-          <a:p>
-            <a:pPr>
-              <a:buFont typeface=""/>
-              <a:buAutoNum type="arabicPeriod"/>
-            </a:pPr>
-            <a:r>
-              <a:rPr lang="en-US" sz="1200" b="1" dirty="0">
-                <a:latin typeface="Times New Roman"/>
-                <a:cs typeface="Times New Roman"/>
-              </a:rPr>
-              <a:t>Customizability</a:t>
-            </a:r>
-            <a:r>
-              <a:rPr lang="en-US" sz="1200" dirty="0">
-                <a:latin typeface="Times New Roman"/>
-                <a:cs typeface="Times New Roman"/>
-              </a:rPr>
-              <a:t>: Users can customize Linux to suit their needs, from the kernel to the desktop environment.</a:t>
-            </a:r>
-          </a:p>
-          <a:p>
-            <a:pPr>
-              <a:buFont typeface=""/>
-              <a:buAutoNum type="arabicPeriod"/>
-            </a:pPr>
-            <a:r>
-              <a:rPr lang="en-US" sz="1200" b="1" dirty="0">
-                <a:latin typeface="Times New Roman"/>
-                <a:cs typeface="Times New Roman"/>
-              </a:rPr>
-              <a:t>Community Support</a:t>
-            </a:r>
-            <a:r>
-              <a:rPr lang="en-US" sz="1200" dirty="0">
-                <a:latin typeface="Times New Roman"/>
-                <a:cs typeface="Times New Roman"/>
-              </a:rPr>
-              <a:t>: A large, active community provides support, documentation, and software.</a:t>
-            </a:r>
-          </a:p>
-        </p:txBody>
-      </p:sp>
-      <p:sp>
-        <p:nvSpPr>
-          <p:cNvPr id="14" name="TextBox 13">
-            <a:extLst>
-              <a:ext uri="{FF2B5EF4-FFF2-40B4-BE49-F238E27FC236}">
-                <a16:creationId xmlns:a16="http://schemas.microsoft.com/office/drawing/2014/main" id="{2B6D2F2F-2718-5DC6-12DF-6630130EAAE0}"/>
-              </a:ext>
-            </a:extLst>
-          </p:cNvPr>
-          <p:cNvSpPr txBox="1"/>
-          <p:nvPr/>
-        </p:nvSpPr>
-        <p:spPr>
-          <a:xfrm>
-            <a:off x="835232" y="5189517"/>
-            <a:ext cx="6741225" cy="1569660"/>
-          </a:xfrm>
-          <a:prstGeom prst="rect">
-            <a:avLst/>
-          </a:prstGeom>
-          <a:noFill/>
-        </p:spPr>
-        <p:txBody>
-          <a:bodyPr rot="0" spcFirstLastPara="0" vertOverflow="overflow" horzOverflow="overflow" vert="horz" wrap="square" lIns="91440" tIns="45720" rIns="91440" bIns="45720" numCol="1" spcCol="0" rtlCol="0" fromWordArt="0" anchor="t" anchorCtr="0" forceAA="0" compatLnSpc="1">
-            <a:prstTxWarp prst="textNoShape">
-              <a:avLst/>
-            </a:prstTxWarp>
-            <a:spAutoFit/>
-          </a:bodyPr>
-          <a:lstStyle/>
-          <a:p>
-            <a:r>
-              <a:rPr lang="en-US" sz="1200" b="1" dirty="0">
-                <a:latin typeface="Times New Roman"/>
-                <a:cs typeface="Times New Roman"/>
-              </a:rPr>
-              <a:t>Applications of Linux</a:t>
-            </a:r>
-            <a:endParaRPr lang="en-US"/>
-          </a:p>
-          <a:p>
-            <a:r>
-              <a:rPr lang="en-US" sz="1200" dirty="0">
-                <a:latin typeface="Times New Roman"/>
-                <a:cs typeface="Times New Roman"/>
-              </a:rPr>
-              <a:t>Linux is used in a wide range of fields due to its flexibility and reliability:</a:t>
-            </a:r>
-          </a:p>
-          <a:p>
-            <a:r>
-              <a:rPr lang="en-US" sz="1200" b="1" dirty="0">
-                <a:latin typeface="Times New Roman"/>
-                <a:cs typeface="Times New Roman"/>
-              </a:rPr>
-              <a:t>1. Servers</a:t>
-            </a:r>
-          </a:p>
-          <a:p>
-            <a:r>
-              <a:rPr lang="en-US" sz="1200" b="1" dirty="0">
-                <a:latin typeface="Times New Roman"/>
-                <a:cs typeface="Times New Roman"/>
-              </a:rPr>
-              <a:t>2. Embedded Systems:</a:t>
-            </a:r>
-          </a:p>
-          <a:p>
-            <a:r>
-              <a:rPr lang="en-US" sz="1200" b="1" dirty="0">
-                <a:latin typeface="Times New Roman"/>
-                <a:cs typeface="Times New Roman"/>
-              </a:rPr>
-              <a:t>3. Supercomputers:</a:t>
-            </a:r>
-          </a:p>
-          <a:p>
-            <a:r>
-              <a:rPr lang="en-US" sz="1200" b="1" dirty="0">
-                <a:latin typeface="Times New Roman"/>
-                <a:cs typeface="Times New Roman"/>
-              </a:rPr>
-              <a:t>4. Desktop Computing:</a:t>
-            </a:r>
-          </a:p>
-          <a:p>
-            <a:r>
-              <a:rPr lang="en-US" sz="1200" b="1" dirty="0">
-                <a:latin typeface="Times New Roman"/>
-                <a:cs typeface="Times New Roman"/>
-              </a:rPr>
-              <a:t>5. Mobile Devices:</a:t>
-            </a:r>
-          </a:p>
-          <a:p>
-            <a:r>
-              <a:rPr lang="en-US" sz="1200" b="1" dirty="0">
-                <a:latin typeface="Times New Roman"/>
-                <a:cs typeface="Times New Roman"/>
-              </a:rPr>
-              <a:t>6. Development:</a:t>
-            </a:r>
-          </a:p>
-        </p:txBody>
-      </p:sp>
-      <p:sp>
-        <p:nvSpPr>
-          <p:cNvPr id="16" name="TextBox 15">
-            <a:extLst>
-              <a:ext uri="{FF2B5EF4-FFF2-40B4-BE49-F238E27FC236}">
-                <a16:creationId xmlns:a16="http://schemas.microsoft.com/office/drawing/2014/main" id="{4BF628FF-6AE5-C5A3-16DA-3F419235535A}"/>
-              </a:ext>
-            </a:extLst>
-          </p:cNvPr>
-          <p:cNvSpPr txBox="1"/>
-          <p:nvPr/>
-        </p:nvSpPr>
-        <p:spPr>
-          <a:xfrm>
-            <a:off x="6505699" y="2131621"/>
-            <a:ext cx="4138551" cy="3477875"/>
-          </a:xfrm>
-          <a:prstGeom prst="rect">
-            <a:avLst/>
-          </a:prstGeom>
-          <a:noFill/>
-        </p:spPr>
-        <p:txBody>
-          <a:bodyPr rot="0" spcFirstLastPara="0" vertOverflow="overflow" horzOverflow="overflow" vert="horz" wrap="square" lIns="91440" tIns="45720" rIns="91440" bIns="45720" numCol="1" spcCol="0" rtlCol="0" fromWordArt="0" anchor="t" anchorCtr="0" forceAA="0" compatLnSpc="1">
-            <a:prstTxWarp prst="textNoShape">
-              <a:avLst/>
-            </a:prstTxWarp>
-            <a:spAutoFit/>
-          </a:bodyPr>
-          <a:lstStyle/>
-          <a:p>
-            <a:r>
-              <a:rPr lang="en-US" sz="1400" b="1" dirty="0">
-                <a:latin typeface="Times New Roman"/>
-                <a:cs typeface="Times New Roman"/>
-              </a:rPr>
-              <a:t>Advantages of Linux</a:t>
-            </a:r>
-          </a:p>
-          <a:p>
-            <a:pPr marL="171450" indent="-171450">
-              <a:buFont typeface="Arial"/>
-              <a:buChar char="•"/>
-            </a:pPr>
-            <a:r>
-              <a:rPr lang="en-US" sz="1200" dirty="0">
-                <a:latin typeface="Times New Roman"/>
-                <a:cs typeface="Times New Roman"/>
-              </a:rPr>
-              <a:t>Cost: Free to use and distribute.</a:t>
-            </a:r>
-          </a:p>
-          <a:p>
-            <a:pPr marL="171450" indent="-171450">
-              <a:buFont typeface="Arial"/>
-              <a:buChar char="•"/>
-            </a:pPr>
-            <a:r>
-              <a:rPr lang="en-US" sz="1200" dirty="0">
-                <a:latin typeface="Times New Roman"/>
-                <a:cs typeface="Times New Roman"/>
-              </a:rPr>
-              <a:t>Security: Less prone to malware and viruses compared to other operating systems.</a:t>
-            </a:r>
-          </a:p>
-          <a:p>
-            <a:pPr marL="171450" indent="-171450">
-              <a:buFont typeface="Arial"/>
-              <a:buChar char="•"/>
-            </a:pPr>
-            <a:r>
-              <a:rPr lang="en-US" sz="1200" dirty="0">
-                <a:latin typeface="Times New Roman"/>
-                <a:cs typeface="Times New Roman"/>
-              </a:rPr>
-              <a:t>Performance: Efficient resource management makes it suitable for high-performance tasks.</a:t>
-            </a:r>
-          </a:p>
-          <a:p>
-            <a:pPr marL="171450" indent="-171450">
-              <a:buFont typeface="Arial"/>
-              <a:buChar char="•"/>
-            </a:pPr>
-            <a:r>
-              <a:rPr lang="en-US" sz="1200" dirty="0">
-                <a:latin typeface="Times New Roman"/>
-                <a:cs typeface="Times New Roman"/>
-              </a:rPr>
-              <a:t>Flexibility: Can be tailored for specific use cases.</a:t>
-            </a:r>
-          </a:p>
-          <a:p>
-            <a:pPr marL="171450" indent="-171450">
-              <a:buFont typeface="Arial"/>
-              <a:buChar char="•"/>
-            </a:pPr>
-            <a:r>
-              <a:rPr lang="en-US" sz="1200" dirty="0">
-                <a:latin typeface="Times New Roman"/>
-                <a:cs typeface="Times New Roman"/>
-              </a:rPr>
-              <a:t>Community Support: Extensive documentation and forums for troubleshooting.</a:t>
-            </a:r>
-          </a:p>
-          <a:p>
-            <a:pPr marL="171450" indent="-171450">
-              <a:buFont typeface="Arial"/>
-              <a:buChar char="•"/>
-            </a:pPr>
-            <a:endParaRPr lang="en-US" sz="1200" dirty="0">
-              <a:latin typeface="Times New Roman"/>
-              <a:cs typeface="Times New Roman"/>
-            </a:endParaRPr>
-          </a:p>
-          <a:p>
-            <a:endParaRPr lang="en-US" sz="1200" dirty="0">
-              <a:latin typeface="Times New Roman"/>
-              <a:cs typeface="Times New Roman"/>
-            </a:endParaRPr>
-          </a:p>
-          <a:p>
-            <a:r>
-              <a:rPr lang="en-US" sz="1400" b="1" dirty="0">
-                <a:latin typeface="Times New Roman"/>
-                <a:cs typeface="Times New Roman"/>
-              </a:rPr>
-              <a:t>Disadvantages of Linux</a:t>
-            </a:r>
-          </a:p>
-          <a:p>
-            <a:pPr marL="171450" indent="-171450">
-              <a:buFont typeface="Arial"/>
-              <a:buChar char="•"/>
-            </a:pPr>
-            <a:r>
-              <a:rPr lang="en-US" sz="1200" dirty="0">
-                <a:latin typeface="Times New Roman"/>
-                <a:cs typeface="Times New Roman"/>
-              </a:rPr>
-              <a:t>Learning Curve: Can be challenging for beginners, especially without a GUI.</a:t>
-            </a:r>
-          </a:p>
-          <a:p>
-            <a:pPr marL="171450" indent="-171450">
-              <a:buFont typeface="Arial"/>
-              <a:buChar char="•"/>
-            </a:pPr>
-            <a:r>
-              <a:rPr lang="en-US" sz="1200" dirty="0">
-                <a:latin typeface="Times New Roman"/>
-                <a:cs typeface="Times New Roman"/>
-              </a:rPr>
-              <a:t>Software Compatibility: Some proprietary software is not available for Linux.</a:t>
-            </a:r>
-          </a:p>
-          <a:p>
-            <a:pPr marL="171450" indent="-171450">
-              <a:buFont typeface="Arial"/>
-              <a:buChar char="•"/>
-            </a:pPr>
-            <a:r>
-              <a:rPr lang="en-US" sz="1200" dirty="0">
-                <a:latin typeface="Times New Roman"/>
-                <a:cs typeface="Times New Roman"/>
-              </a:rPr>
-              <a:t>Hardware Support: Certain hardware may lack drivers or support.</a:t>
-            </a:r>
-          </a:p>
-        </p:txBody>
-      </p:sp>
-      <p:pic>
-        <p:nvPicPr>
-          <p:cNvPr id="10" name="Picture 9" descr="Linux - Wikipedia">
-            <a:extLst>
-              <a:ext uri="{FF2B5EF4-FFF2-40B4-BE49-F238E27FC236}">
-                <a16:creationId xmlns:a16="http://schemas.microsoft.com/office/drawing/2014/main" id="{75519665-5FFC-61A9-5407-961D20D2A27F}"/>
+                <a16:creationId xmlns:a16="http://schemas.microsoft.com/office/drawing/2014/main" id="{563CF3A3-7E07-277D-80B2-7688013AD4D7}"/>
               </a:ext>
             </a:extLst>
           </p:cNvPr>
@@ -13475,14 +12933,66 @@
         </p:blipFill>
         <p:spPr>
           <a:xfrm>
-            <a:off x="9504045" y="5396230"/>
-            <a:ext cx="1129030" cy="1358900"/>
+            <a:off x="2613524" y="1442193"/>
+            <a:ext cx="6294526" cy="5097152"/>
           </a:xfrm>
           <a:prstGeom prst="rect">
             <a:avLst/>
           </a:prstGeom>
+          <a:ln w="28575">
+            <a:solidFill>
+              <a:schemeClr val="tx1"/>
+            </a:solidFill>
+          </a:ln>
         </p:spPr>
       </p:pic>
+      <p:sp>
+        <p:nvSpPr>
+          <p:cNvPr id="17" name="TextBox 16">
+            <a:extLst>
+              <a:ext uri="{FF2B5EF4-FFF2-40B4-BE49-F238E27FC236}">
+                <a16:creationId xmlns:a16="http://schemas.microsoft.com/office/drawing/2014/main" id="{3D4DB0C8-77BE-2916-AFE3-2FF32A48F067}"/>
+              </a:ext>
+            </a:extLst>
+          </p:cNvPr>
+          <p:cNvSpPr txBox="1"/>
+          <p:nvPr/>
+        </p:nvSpPr>
+        <p:spPr>
+          <a:xfrm>
+            <a:off x="4724400" y="6543040"/>
+            <a:ext cx="2743200" cy="365760"/>
+          </a:xfrm>
+          <a:prstGeom prst="rect">
+            <a:avLst/>
+          </a:prstGeom>
+          <a:noFill/>
+        </p:spPr>
+        <p:txBody>
+          <a:bodyPr rot="0" spcFirstLastPara="0" vertOverflow="overflow" horzOverflow="overflow" vert="horz" wrap="square" lIns="91440" tIns="45720" rIns="91440" bIns="45720" numCol="1" spcCol="0" rtlCol="0" fromWordArt="0" anchor="t" anchorCtr="0" forceAA="0" compatLnSpc="1">
+            <a:prstTxWarp prst="textNoShape">
+              <a:avLst/>
+            </a:prstTxWarp>
+            <a:spAutoFit/>
+          </a:bodyPr>
+          <a:lstStyle/>
+          <a:p>
+            <a:r>
+              <a:rPr lang="en-GB" i="1" dirty="0">
+                <a:solidFill>
+                  <a:schemeClr val="tx2">
+                    <a:lumMod val="49000"/>
+                    <a:lumOff val="51000"/>
+                  </a:schemeClr>
+                </a:solidFill>
+                <a:latin typeface="Times New Roman"/>
+                <a:cs typeface="Times New Roman"/>
+              </a:rPr>
+              <a:t>Fig: Flowchart</a:t>
+            </a:r>
+          </a:p>
+        </p:txBody>
+      </p:sp>
     </p:spTree>
     <p:extLst>
       <p:ext uri="{BB962C8B-B14F-4D97-AF65-F5344CB8AC3E}">
@@ -13504,7 +13014,7 @@
         <p:cNvPr id="1" name="">
           <a:extLst>
             <a:ext uri="{FF2B5EF4-FFF2-40B4-BE49-F238E27FC236}">
-              <a16:creationId xmlns:a16="http://schemas.microsoft.com/office/drawing/2014/main" id="{ADE75209-4475-9FB7-70B8-5678C6C89C91}"/>
+              <a16:creationId xmlns:a16="http://schemas.microsoft.com/office/drawing/2014/main" id="{10D2CDB9-7A13-D233-D232-76EEC67B74AF}"/>
             </a:ext>
           </a:extLst>
         </p:cNvPr>
@@ -13524,7 +13034,7 @@
           <p:cNvPr id="2" name="Title 1">
             <a:extLst>
               <a:ext uri="{FF2B5EF4-FFF2-40B4-BE49-F238E27FC236}">
-                <a16:creationId xmlns:a16="http://schemas.microsoft.com/office/drawing/2014/main" id="{642949DC-BA15-0012-91C1-06407D0729BD}"/>
+                <a16:creationId xmlns:a16="http://schemas.microsoft.com/office/drawing/2014/main" id="{7027B602-3188-2E9F-E129-50C3F22886C0}"/>
               </a:ext>
             </a:extLst>
           </p:cNvPr>
@@ -13580,7 +13090,7 @@
           <p:cNvPr id="4" name="Straight Arrow Connector 3">
             <a:extLst>
               <a:ext uri="{FF2B5EF4-FFF2-40B4-BE49-F238E27FC236}">
-                <a16:creationId xmlns:a16="http://schemas.microsoft.com/office/drawing/2014/main" id="{C5CCF7B1-8433-71E4-CA71-96AE8D5F8645}"/>
+                <a16:creationId xmlns:a16="http://schemas.microsoft.com/office/drawing/2014/main" id="{0B83CE4D-7AFC-81FD-09CF-042EFA02C4B8}"/>
               </a:ext>
             </a:extLst>
           </p:cNvPr>
@@ -13621,7 +13131,7 @@
           <p:cNvPr id="5" name="Picture 4">
             <a:extLst>
               <a:ext uri="{FF2B5EF4-FFF2-40B4-BE49-F238E27FC236}">
-                <a16:creationId xmlns:a16="http://schemas.microsoft.com/office/drawing/2014/main" id="{5EDD05E6-69D6-5D74-7F86-10FF5BA4F3B4}"/>
+                <a16:creationId xmlns:a16="http://schemas.microsoft.com/office/drawing/2014/main" id="{EA8F1E70-8960-B923-60AD-CF2D09630102}"/>
               </a:ext>
             </a:extLst>
           </p:cNvPr>
@@ -13650,7 +13160,7 @@
           <p:cNvPr id="6" name="Straight Arrow Connector 5">
             <a:extLst>
               <a:ext uri="{FF2B5EF4-FFF2-40B4-BE49-F238E27FC236}">
-                <a16:creationId xmlns:a16="http://schemas.microsoft.com/office/drawing/2014/main" id="{9A1047F9-92D3-7F19-063F-9F67CA1B3076}"/>
+                <a16:creationId xmlns:a16="http://schemas.microsoft.com/office/drawing/2014/main" id="{88CA1CAB-F165-CFFA-2DFE-977CA8A496C6}"/>
               </a:ext>
             </a:extLst>
           </p:cNvPr>
@@ -13691,7 +13201,7 @@
           <p:cNvPr id="7" name="Straight Arrow Connector 6">
             <a:extLst>
               <a:ext uri="{FF2B5EF4-FFF2-40B4-BE49-F238E27FC236}">
-                <a16:creationId xmlns:a16="http://schemas.microsoft.com/office/drawing/2014/main" id="{DAC4C74E-02B7-2032-1823-8A536FF2E096}"/>
+                <a16:creationId xmlns:a16="http://schemas.microsoft.com/office/drawing/2014/main" id="{38AE6A78-0306-29FE-0D24-F6C3826E898E}"/>
               </a:ext>
             </a:extLst>
           </p:cNvPr>
@@ -13734,7 +13244,7 @@
           <p:cNvPr id="8" name="Straight Arrow Connector 7">
             <a:extLst>
               <a:ext uri="{FF2B5EF4-FFF2-40B4-BE49-F238E27FC236}">
-                <a16:creationId xmlns:a16="http://schemas.microsoft.com/office/drawing/2014/main" id="{91C8D0AD-A47A-EAFE-CA94-CFB392EC295F}"/>
+                <a16:creationId xmlns:a16="http://schemas.microsoft.com/office/drawing/2014/main" id="{8A7F29E8-4A0E-591F-DAD9-A812E79EE9D9}"/>
               </a:ext>
             </a:extLst>
           </p:cNvPr>
@@ -13777,7 +13287,7 @@
           <p:cNvPr id="11" name="Straight Arrow Connector 10">
             <a:extLst>
               <a:ext uri="{FF2B5EF4-FFF2-40B4-BE49-F238E27FC236}">
-                <a16:creationId xmlns:a16="http://schemas.microsoft.com/office/drawing/2014/main" id="{D391678E-5873-1049-FFCB-0C011246DC90}"/>
+                <a16:creationId xmlns:a16="http://schemas.microsoft.com/office/drawing/2014/main" id="{BE871151-9C82-01F9-22AA-BA83F220DB12}"/>
               </a:ext>
             </a:extLst>
           </p:cNvPr>
@@ -13820,7 +13330,7 @@
           <p:cNvPr id="13" name="Straight Arrow Connector 12">
             <a:extLst>
               <a:ext uri="{FF2B5EF4-FFF2-40B4-BE49-F238E27FC236}">
-                <a16:creationId xmlns:a16="http://schemas.microsoft.com/office/drawing/2014/main" id="{08175809-82C0-2D4F-75A2-F5AAC83E4F8C}"/>
+                <a16:creationId xmlns:a16="http://schemas.microsoft.com/office/drawing/2014/main" id="{3879B896-4765-244E-D0B0-0FFA652AB2D8}"/>
               </a:ext>
             </a:extLst>
           </p:cNvPr>
@@ -13833,6 +13343,47 @@
           <a:xfrm>
             <a:off x="10759227" y="1285680"/>
             <a:ext cx="9898" cy="5569204"/>
+          </a:xfrm>
+          <a:prstGeom prst="straightConnector1">
+            <a:avLst/>
+          </a:prstGeom>
+          <a:ln>
+            <a:solidFill>
+              <a:schemeClr val="tx1"/>
+            </a:solidFill>
+          </a:ln>
+        </p:spPr>
+        <p:style>
+          <a:lnRef idx="2">
+            <a:schemeClr val="accent1"/>
+          </a:lnRef>
+          <a:fillRef idx="0">
+            <a:schemeClr val="accent1"/>
+          </a:fillRef>
+          <a:effectRef idx="1">
+            <a:schemeClr val="accent1"/>
+          </a:effectRef>
+          <a:fontRef idx="minor">
+            <a:schemeClr val="tx1"/>
+          </a:fontRef>
+        </p:style>
+      </p:cxnSp>
+      <p:cxnSp>
+        <p:nvCxnSpPr>
+          <p:cNvPr id="15" name="Straight Arrow Connector 14">
+            <a:extLst>
+              <a:ext uri="{FF2B5EF4-FFF2-40B4-BE49-F238E27FC236}">
+                <a16:creationId xmlns:a16="http://schemas.microsoft.com/office/drawing/2014/main" id="{0C9003E2-4458-ADE8-5C9F-B275E24A192D}"/>
+              </a:ext>
+            </a:extLst>
+          </p:cNvPr>
+          <p:cNvCxnSpPr/>
+          <p:nvPr/>
+        </p:nvCxnSpPr>
+        <p:spPr>
+          <a:xfrm>
+            <a:off x="6503391" y="1980048"/>
+            <a:ext cx="7421" cy="4852389"/>
           </a:xfrm>
           <a:prstGeom prst="straightConnector1">
             <a:avLst/>
@@ -13863,7 +13414,7 @@
           <p:cNvPr id="9" name="TextBox 8">
             <a:extLst>
               <a:ext uri="{FF2B5EF4-FFF2-40B4-BE49-F238E27FC236}">
-                <a16:creationId xmlns:a16="http://schemas.microsoft.com/office/drawing/2014/main" id="{0C2CB8A2-0539-AFC1-01B3-F641D0AA3FD6}"/>
+                <a16:creationId xmlns:a16="http://schemas.microsoft.com/office/drawing/2014/main" id="{1097892D-6B83-B3FC-6A5A-15F9B5C8E039}"/>
               </a:ext>
             </a:extLst>
           </p:cNvPr>
@@ -13872,8 +13423,8 @@
         </p:nvSpPr>
         <p:spPr>
           <a:xfrm>
-            <a:off x="835230" y="1290452"/>
-            <a:ext cx="9700161" cy="523220"/>
+            <a:off x="785750" y="1290452"/>
+            <a:ext cx="9858498" cy="954107"/>
           </a:xfrm>
           <a:prstGeom prst="rect">
             <a:avLst/>
@@ -13890,46 +13441,35 @@
           <a:lstStyle/>
           <a:p>
             <a:r>
+              <a:rPr lang="en-US" sz="1400" dirty="0">
+                <a:latin typeface="Times New Roman"/>
+                <a:cs typeface="Times New Roman"/>
+              </a:rPr>
+              <a:t>Linux is a free, open-source, Unix-like operating system (OS) kernel that serves as the foundation for a wide variety of operating systems, commonly referred to as Linux distributions. It was created by </a:t>
+            </a:r>
+            <a:r>
               <a:rPr lang="en-US" sz="1400" b="1" dirty="0">
                 <a:latin typeface="Times New Roman"/>
                 <a:cs typeface="Times New Roman"/>
               </a:rPr>
-              <a:t>Basic Linux Commands: </a:t>
+              <a:t>Linus Torvalds</a:t>
             </a:r>
             <a:r>
               <a:rPr lang="en-US" sz="1400" dirty="0">
                 <a:latin typeface="Times New Roman"/>
                 <a:cs typeface="Times New Roman"/>
               </a:rPr>
-              <a:t>Here</a:t>
-            </a:r>
-            <a:r>
-              <a:rPr lang="en-US" sz="1400" dirty="0">
-                <a:latin typeface="Times New Roman"/>
-                <a:ea typeface="+mn-lt"/>
-                <a:cs typeface="+mn-lt"/>
-              </a:rPr>
-              <a:t> are some commonly used Linux commands</a:t>
-            </a:r>
-            <a:endParaRPr lang="en-US" sz="1400" dirty="0">
-              <a:latin typeface="Times New Roman"/>
-              <a:cs typeface="Times New Roman"/>
-            </a:endParaRPr>
-          </a:p>
-          <a:p>
-            <a:endParaRPr lang="en-US" sz="1400" dirty="0">
-              <a:latin typeface="Times New Roman"/>
-              <a:cs typeface="Times New Roman"/>
-            </a:endParaRPr>
+              <a:t> in 1991 and has since become one of the most widely used operating systems in the world, powering everything from personal computers to servers, smartphones, embedded systems, and supercomputers.</a:t>
+            </a:r>
           </a:p>
         </p:txBody>
       </p:sp>
       <p:sp>
         <p:nvSpPr>
-          <p:cNvPr id="3" name="TextBox 2">
+          <p:cNvPr id="12" name="TextBox 11">
             <a:extLst>
               <a:ext uri="{FF2B5EF4-FFF2-40B4-BE49-F238E27FC236}">
-                <a16:creationId xmlns:a16="http://schemas.microsoft.com/office/drawing/2014/main" id="{406CA39B-B708-5EB8-715D-3C70CADF561F}"/>
+                <a16:creationId xmlns:a16="http://schemas.microsoft.com/office/drawing/2014/main" id="{7356F9B4-1C68-4A8C-B87D-B021ED0259E2}"/>
               </a:ext>
             </a:extLst>
           </p:cNvPr>
@@ -13938,8 +13478,8 @@
         </p:nvSpPr>
         <p:spPr>
           <a:xfrm>
-            <a:off x="785751" y="1814946"/>
-            <a:ext cx="9561614" cy="5093702"/>
+            <a:off x="835231" y="2250374"/>
+            <a:ext cx="5662550" cy="3046988"/>
           </a:xfrm>
           <a:prstGeom prst="rect">
             <a:avLst/>
@@ -13956,380 +13496,484 @@
           <a:lstStyle/>
           <a:p>
             <a:r>
-              <a:rPr lang="en-US" sz="1300" b="1" dirty="0">
-                <a:latin typeface="Times New Roman"/>
-                <a:cs typeface="Times New Roman"/>
-              </a:rPr>
-              <a:t>File and Directory Management:</a:t>
-            </a:r>
-          </a:p>
-          <a:p>
-            <a:pPr marL="285750" indent="-285750">
+              <a:rPr lang="en-US" sz="1200" b="1" dirty="0">
+                <a:latin typeface="Times New Roman"/>
+                <a:cs typeface="Times New Roman"/>
+              </a:rPr>
+              <a:t>Key Features of Linux:</a:t>
+            </a:r>
+          </a:p>
+          <a:p>
+            <a:pPr>
+              <a:buFont typeface=""/>
+              <a:buAutoNum type="arabicPeriod"/>
+            </a:pPr>
+            <a:r>
+              <a:rPr lang="en-US" sz="1200" b="1" dirty="0">
+                <a:latin typeface="Times New Roman"/>
+                <a:cs typeface="Times New Roman"/>
+              </a:rPr>
+              <a:t>Open Source</a:t>
+            </a:r>
+            <a:r>
+              <a:rPr lang="en-US" sz="1200" dirty="0">
+                <a:latin typeface="Times New Roman"/>
+                <a:cs typeface="Times New Roman"/>
+              </a:rPr>
+              <a:t>: The source code is freely available, allowing anyone to view, modify, and distribute it.</a:t>
+            </a:r>
+          </a:p>
+          <a:p>
+            <a:pPr>
+              <a:buFont typeface=""/>
+              <a:buAutoNum type="arabicPeriod"/>
+            </a:pPr>
+            <a:r>
+              <a:rPr lang="en-US" sz="1200" b="1" dirty="0">
+                <a:latin typeface="Times New Roman"/>
+                <a:cs typeface="Times New Roman"/>
+              </a:rPr>
+              <a:t>Multi-User</a:t>
+            </a:r>
+            <a:r>
+              <a:rPr lang="en-US" sz="1200" dirty="0">
+                <a:latin typeface="Times New Roman"/>
+                <a:cs typeface="Times New Roman"/>
+              </a:rPr>
+              <a:t>: Multiple users can use the system simultaneously without interfering with each other.</a:t>
+            </a:r>
+          </a:p>
+          <a:p>
+            <a:pPr>
+              <a:buFont typeface=""/>
+              <a:buAutoNum type="arabicPeriod"/>
+            </a:pPr>
+            <a:r>
+              <a:rPr lang="en-US" sz="1200" b="1" dirty="0">
+                <a:latin typeface="Times New Roman"/>
+                <a:cs typeface="Times New Roman"/>
+              </a:rPr>
+              <a:t>Multitasking</a:t>
+            </a:r>
+            <a:r>
+              <a:rPr lang="en-US" sz="1200" dirty="0">
+                <a:latin typeface="Times New Roman"/>
+                <a:cs typeface="Times New Roman"/>
+              </a:rPr>
+              <a:t>: Linux can handle multiple tasks or processes at the same time.</a:t>
+            </a:r>
+          </a:p>
+          <a:p>
+            <a:pPr>
+              <a:buFont typeface=""/>
+              <a:buAutoNum type="arabicPeriod"/>
+            </a:pPr>
+            <a:r>
+              <a:rPr lang="en-US" sz="1200" b="1" dirty="0">
+                <a:latin typeface="Times New Roman"/>
+                <a:cs typeface="Times New Roman"/>
+              </a:rPr>
+              <a:t>Portability</a:t>
+            </a:r>
+            <a:r>
+              <a:rPr lang="en-US" sz="1200" dirty="0">
+                <a:latin typeface="Times New Roman"/>
+                <a:cs typeface="Times New Roman"/>
+              </a:rPr>
+              <a:t>: Linux can run on a wide variety of hardware platforms, from small embedded devices to large mainframes.</a:t>
+            </a:r>
+          </a:p>
+          <a:p>
+            <a:pPr>
+              <a:buFont typeface=""/>
+              <a:buAutoNum type="arabicPeriod"/>
+            </a:pPr>
+            <a:r>
+              <a:rPr lang="en-US" sz="1200" b="1" dirty="0">
+                <a:latin typeface="Times New Roman"/>
+                <a:cs typeface="Times New Roman"/>
+              </a:rPr>
+              <a:t>Security</a:t>
+            </a:r>
+            <a:r>
+              <a:rPr lang="en-US" sz="1200" dirty="0">
+                <a:latin typeface="Times New Roman"/>
+                <a:cs typeface="Times New Roman"/>
+              </a:rPr>
+              <a:t>: Linux is known for its robust security features, including user permissions, firewalls, and encryption.</a:t>
+            </a:r>
+          </a:p>
+          <a:p>
+            <a:pPr>
+              <a:buFont typeface=""/>
+              <a:buAutoNum type="arabicPeriod"/>
+            </a:pPr>
+            <a:r>
+              <a:rPr lang="en-US" sz="1200" b="1" dirty="0">
+                <a:latin typeface="Times New Roman"/>
+                <a:cs typeface="Times New Roman"/>
+              </a:rPr>
+              <a:t>Stability</a:t>
+            </a:r>
+            <a:r>
+              <a:rPr lang="en-US" sz="1200" dirty="0">
+                <a:latin typeface="Times New Roman"/>
+                <a:cs typeface="Times New Roman"/>
+              </a:rPr>
+              <a:t>: Linux systems are highly stable and can run for years without requiring a reboot.</a:t>
+            </a:r>
+          </a:p>
+          <a:p>
+            <a:pPr>
+              <a:buFont typeface=""/>
+              <a:buAutoNum type="arabicPeriod"/>
+            </a:pPr>
+            <a:r>
+              <a:rPr lang="en-US" sz="1200" b="1" dirty="0">
+                <a:latin typeface="Times New Roman"/>
+                <a:cs typeface="Times New Roman"/>
+              </a:rPr>
+              <a:t>Customizability</a:t>
+            </a:r>
+            <a:r>
+              <a:rPr lang="en-US" sz="1200" dirty="0">
+                <a:latin typeface="Times New Roman"/>
+                <a:cs typeface="Times New Roman"/>
+              </a:rPr>
+              <a:t>: Users can customize Linux to suit their needs, from the kernel to the desktop environment.</a:t>
+            </a:r>
+          </a:p>
+          <a:p>
+            <a:pPr>
+              <a:buFont typeface=""/>
+              <a:buAutoNum type="arabicPeriod"/>
+            </a:pPr>
+            <a:r>
+              <a:rPr lang="en-US" sz="1200" b="1" dirty="0">
+                <a:latin typeface="Times New Roman"/>
+                <a:cs typeface="Times New Roman"/>
+              </a:rPr>
+              <a:t>Community Support</a:t>
+            </a:r>
+            <a:r>
+              <a:rPr lang="en-US" sz="1200" dirty="0">
+                <a:latin typeface="Times New Roman"/>
+                <a:cs typeface="Times New Roman"/>
+              </a:rPr>
+              <a:t>: A large, active community provides support, documentation, and software.</a:t>
+            </a:r>
+          </a:p>
+        </p:txBody>
+      </p:sp>
+      <p:sp>
+        <p:nvSpPr>
+          <p:cNvPr id="14" name="TextBox 13">
+            <a:extLst>
+              <a:ext uri="{FF2B5EF4-FFF2-40B4-BE49-F238E27FC236}">
+                <a16:creationId xmlns:a16="http://schemas.microsoft.com/office/drawing/2014/main" id="{3E42BC04-1026-C6A8-0384-357EAB843822}"/>
+              </a:ext>
+            </a:extLst>
+          </p:cNvPr>
+          <p:cNvSpPr txBox="1"/>
+          <p:nvPr/>
+        </p:nvSpPr>
+        <p:spPr>
+          <a:xfrm>
+            <a:off x="835232" y="5189517"/>
+            <a:ext cx="6741225" cy="1569660"/>
+          </a:xfrm>
+          <a:prstGeom prst="rect">
+            <a:avLst/>
+          </a:prstGeom>
+          <a:noFill/>
+        </p:spPr>
+        <p:txBody>
+          <a:bodyPr rot="0" spcFirstLastPara="0" vertOverflow="overflow" horzOverflow="overflow" vert="horz" wrap="square" lIns="91440" tIns="45720" rIns="91440" bIns="45720" numCol="1" spcCol="0" rtlCol="0" fromWordArt="0" anchor="t" anchorCtr="0" forceAA="0" compatLnSpc="1">
+            <a:prstTxWarp prst="textNoShape">
+              <a:avLst/>
+            </a:prstTxWarp>
+            <a:spAutoFit/>
+          </a:bodyPr>
+          <a:lstStyle/>
+          <a:p>
+            <a:r>
+              <a:rPr lang="en-US" sz="1200" b="1" dirty="0">
+                <a:latin typeface="Times New Roman"/>
+                <a:cs typeface="Times New Roman"/>
+              </a:rPr>
+              <a:t>Applications of Linux</a:t>
+            </a:r>
+            <a:endParaRPr lang="en-US"/>
+          </a:p>
+          <a:p>
+            <a:r>
+              <a:rPr lang="en-US" sz="1200" dirty="0">
+                <a:latin typeface="Times New Roman"/>
+                <a:cs typeface="Times New Roman"/>
+              </a:rPr>
+              <a:t>Linux is used in a wide range of fields due to its flexibility and reliability:</a:t>
+            </a:r>
+          </a:p>
+          <a:p>
+            <a:r>
+              <a:rPr lang="en-US" sz="1200" b="1" dirty="0">
+                <a:latin typeface="Times New Roman"/>
+                <a:cs typeface="Times New Roman"/>
+              </a:rPr>
+              <a:t>1. Servers</a:t>
+            </a:r>
+          </a:p>
+          <a:p>
+            <a:r>
+              <a:rPr lang="en-US" sz="1200" b="1" dirty="0">
+                <a:latin typeface="Times New Roman"/>
+                <a:cs typeface="Times New Roman"/>
+              </a:rPr>
+              <a:t>2. Embedded Systems:</a:t>
+            </a:r>
+          </a:p>
+          <a:p>
+            <a:r>
+              <a:rPr lang="en-US" sz="1200" b="1" dirty="0">
+                <a:latin typeface="Times New Roman"/>
+                <a:cs typeface="Times New Roman"/>
+              </a:rPr>
+              <a:t>3. Supercomputers:</a:t>
+            </a:r>
+          </a:p>
+          <a:p>
+            <a:r>
+              <a:rPr lang="en-US" sz="1200" b="1" dirty="0">
+                <a:latin typeface="Times New Roman"/>
+                <a:cs typeface="Times New Roman"/>
+              </a:rPr>
+              <a:t>4. Desktop Computing:</a:t>
+            </a:r>
+          </a:p>
+          <a:p>
+            <a:r>
+              <a:rPr lang="en-US" sz="1200" b="1" dirty="0">
+                <a:latin typeface="Times New Roman"/>
+                <a:cs typeface="Times New Roman"/>
+              </a:rPr>
+              <a:t>5. Mobile Devices:</a:t>
+            </a:r>
+          </a:p>
+          <a:p>
+            <a:r>
+              <a:rPr lang="en-US" sz="1200" b="1" dirty="0">
+                <a:latin typeface="Times New Roman"/>
+                <a:cs typeface="Times New Roman"/>
+              </a:rPr>
+              <a:t>6. Development:</a:t>
+            </a:r>
+          </a:p>
+        </p:txBody>
+      </p:sp>
+      <p:sp>
+        <p:nvSpPr>
+          <p:cNvPr id="16" name="TextBox 15">
+            <a:extLst>
+              <a:ext uri="{FF2B5EF4-FFF2-40B4-BE49-F238E27FC236}">
+                <a16:creationId xmlns:a16="http://schemas.microsoft.com/office/drawing/2014/main" id="{CD35FC71-089B-F67D-6D33-D3FE3243D61E}"/>
+              </a:ext>
+            </a:extLst>
+          </p:cNvPr>
+          <p:cNvSpPr txBox="1"/>
+          <p:nvPr/>
+        </p:nvSpPr>
+        <p:spPr>
+          <a:xfrm>
+            <a:off x="6505699" y="2131621"/>
+            <a:ext cx="4138551" cy="3477875"/>
+          </a:xfrm>
+          <a:prstGeom prst="rect">
+            <a:avLst/>
+          </a:prstGeom>
+          <a:noFill/>
+        </p:spPr>
+        <p:txBody>
+          <a:bodyPr rot="0" spcFirstLastPara="0" vertOverflow="overflow" horzOverflow="overflow" vert="horz" wrap="square" lIns="91440" tIns="45720" rIns="91440" bIns="45720" numCol="1" spcCol="0" rtlCol="0" fromWordArt="0" anchor="t" anchorCtr="0" forceAA="0" compatLnSpc="1">
+            <a:prstTxWarp prst="textNoShape">
+              <a:avLst/>
+            </a:prstTxWarp>
+            <a:spAutoFit/>
+          </a:bodyPr>
+          <a:lstStyle/>
+          <a:p>
+            <a:r>
+              <a:rPr lang="en-US" sz="1400" b="1" dirty="0">
+                <a:latin typeface="Times New Roman"/>
+                <a:cs typeface="Times New Roman"/>
+              </a:rPr>
+              <a:t>Advantages of Linux</a:t>
+            </a:r>
+          </a:p>
+          <a:p>
+            <a:pPr marL="171450" indent="-171450">
               <a:buFont typeface="Arial"/>
               <a:buChar char="•"/>
             </a:pPr>
             <a:r>
-              <a:rPr lang="en-US" sz="1300" dirty="0">
-                <a:latin typeface="Times New Roman"/>
-                <a:cs typeface="Times New Roman"/>
-              </a:rPr>
-              <a:t>ls: List files and directories.</a:t>
-            </a:r>
-          </a:p>
-          <a:p>
-            <a:pPr marL="285750" indent="-285750">
+              <a:rPr lang="en-US" sz="1200" dirty="0">
+                <a:latin typeface="Times New Roman"/>
+                <a:cs typeface="Times New Roman"/>
+              </a:rPr>
+              <a:t>Cost: Free to use and distribute.</a:t>
+            </a:r>
+          </a:p>
+          <a:p>
+            <a:pPr marL="171450" indent="-171450">
               <a:buFont typeface="Arial"/>
               <a:buChar char="•"/>
             </a:pPr>
             <a:r>
-              <a:rPr lang="en-US" sz="1300" dirty="0">
-                <a:latin typeface="Times New Roman"/>
-                <a:cs typeface="Times New Roman"/>
-              </a:rPr>
-              <a:t>cd: Change directory.</a:t>
-            </a:r>
-          </a:p>
-          <a:p>
-            <a:pPr marL="285750" indent="-285750">
+              <a:rPr lang="en-US" sz="1200" dirty="0">
+                <a:latin typeface="Times New Roman"/>
+                <a:cs typeface="Times New Roman"/>
+              </a:rPr>
+              <a:t>Security: Less prone to malware and viruses compared to other operating systems.</a:t>
+            </a:r>
+          </a:p>
+          <a:p>
+            <a:pPr marL="171450" indent="-171450">
               <a:buFont typeface="Arial"/>
               <a:buChar char="•"/>
             </a:pPr>
             <a:r>
-              <a:rPr lang="en-US" sz="1300" err="1">
-                <a:latin typeface="Times New Roman"/>
-                <a:cs typeface="Times New Roman"/>
-              </a:rPr>
-              <a:t>pwd</a:t>
-            </a:r>
-            <a:r>
-              <a:rPr lang="en-US" sz="1300" dirty="0">
-                <a:latin typeface="Times New Roman"/>
-                <a:cs typeface="Times New Roman"/>
-              </a:rPr>
-              <a:t>: Print the current working directory.</a:t>
-            </a:r>
-          </a:p>
-          <a:p>
-            <a:pPr marL="285750" indent="-285750">
+              <a:rPr lang="en-US" sz="1200" dirty="0">
+                <a:latin typeface="Times New Roman"/>
+                <a:cs typeface="Times New Roman"/>
+              </a:rPr>
+              <a:t>Performance: Efficient resource management makes it suitable for high-performance tasks.</a:t>
+            </a:r>
+          </a:p>
+          <a:p>
+            <a:pPr marL="171450" indent="-171450">
               <a:buFont typeface="Arial"/>
               <a:buChar char="•"/>
             </a:pPr>
             <a:r>
-              <a:rPr lang="en-US" sz="1300" err="1">
-                <a:latin typeface="Times New Roman"/>
-                <a:cs typeface="Times New Roman"/>
-              </a:rPr>
-              <a:t>mkdir</a:t>
-            </a:r>
-            <a:r>
-              <a:rPr lang="en-US" sz="1300" dirty="0">
-                <a:latin typeface="Times New Roman"/>
-                <a:cs typeface="Times New Roman"/>
-              </a:rPr>
-              <a:t>: Create a new directory.</a:t>
-            </a:r>
-          </a:p>
-          <a:p>
-            <a:pPr marL="285750" indent="-285750">
+              <a:rPr lang="en-US" sz="1200" dirty="0">
+                <a:latin typeface="Times New Roman"/>
+                <a:cs typeface="Times New Roman"/>
+              </a:rPr>
+              <a:t>Flexibility: Can be tailored for specific use cases.</a:t>
+            </a:r>
+          </a:p>
+          <a:p>
+            <a:pPr marL="171450" indent="-171450">
               <a:buFont typeface="Arial"/>
               <a:buChar char="•"/>
             </a:pPr>
             <a:r>
-              <a:rPr lang="en-US" sz="1300" dirty="0">
-                <a:latin typeface="Times New Roman"/>
-                <a:cs typeface="Times New Roman"/>
-              </a:rPr>
-              <a:t>rm: Remove files or directories.</a:t>
-            </a:r>
-          </a:p>
-          <a:p>
-            <a:pPr marL="285750" indent="-285750">
+              <a:rPr lang="en-US" sz="1200" dirty="0">
+                <a:latin typeface="Times New Roman"/>
+                <a:cs typeface="Times New Roman"/>
+              </a:rPr>
+              <a:t>Community Support: Extensive documentation and forums for troubleshooting.</a:t>
+            </a:r>
+          </a:p>
+          <a:p>
+            <a:pPr marL="171450" indent="-171450">
               <a:buFont typeface="Arial"/>
               <a:buChar char="•"/>
             </a:pPr>
-            <a:r>
-              <a:rPr lang="en-US" sz="1300" dirty="0">
-                <a:latin typeface="Times New Roman"/>
-                <a:cs typeface="Times New Roman"/>
-              </a:rPr>
-              <a:t>cp: Copy files or directories.</a:t>
-            </a:r>
-          </a:p>
-          <a:p>
-            <a:pPr marL="285750" indent="-285750">
+            <a:endParaRPr lang="en-US" sz="1200" dirty="0">
+              <a:latin typeface="Times New Roman"/>
+              <a:cs typeface="Times New Roman"/>
+            </a:endParaRPr>
+          </a:p>
+          <a:p>
+            <a:endParaRPr lang="en-US" sz="1200" dirty="0">
+              <a:latin typeface="Times New Roman"/>
+              <a:cs typeface="Times New Roman"/>
+            </a:endParaRPr>
+          </a:p>
+          <a:p>
+            <a:r>
+              <a:rPr lang="en-US" sz="1400" b="1" dirty="0">
+                <a:latin typeface="Times New Roman"/>
+                <a:cs typeface="Times New Roman"/>
+              </a:rPr>
+              <a:t>Disadvantages of Linux</a:t>
+            </a:r>
+          </a:p>
+          <a:p>
+            <a:pPr marL="171450" indent="-171450">
               <a:buFont typeface="Arial"/>
               <a:buChar char="•"/>
             </a:pPr>
             <a:r>
-              <a:rPr lang="en-US" sz="1300" dirty="0">
-                <a:latin typeface="Times New Roman"/>
-                <a:cs typeface="Times New Roman"/>
-              </a:rPr>
-              <a:t>mv: Move or rename files.</a:t>
-            </a:r>
-          </a:p>
-          <a:p>
-            <a:pPr marL="285750" indent="-285750">
+              <a:rPr lang="en-US" sz="1200" dirty="0">
+                <a:latin typeface="Times New Roman"/>
+                <a:cs typeface="Times New Roman"/>
+              </a:rPr>
+              <a:t>Learning Curve: Can be challenging for beginners, especially without a GUI.</a:t>
+            </a:r>
+          </a:p>
+          <a:p>
+            <a:pPr marL="171450" indent="-171450">
               <a:buFont typeface="Arial"/>
               <a:buChar char="•"/>
             </a:pPr>
             <a:r>
-              <a:rPr lang="en-US" sz="1300" dirty="0">
-                <a:latin typeface="Times New Roman"/>
-                <a:cs typeface="Times New Roman"/>
-              </a:rPr>
-              <a:t>File Viewing and Editing:</a:t>
-            </a:r>
-          </a:p>
-          <a:p>
-            <a:pPr marL="285750" indent="-285750">
+              <a:rPr lang="en-US" sz="1200" dirty="0">
+                <a:latin typeface="Times New Roman"/>
+                <a:cs typeface="Times New Roman"/>
+              </a:rPr>
+              <a:t>Software Compatibility: Some proprietary software is not available for Linux.</a:t>
+            </a:r>
+          </a:p>
+          <a:p>
+            <a:pPr marL="171450" indent="-171450">
               <a:buFont typeface="Arial"/>
               <a:buChar char="•"/>
             </a:pPr>
             <a:r>
-              <a:rPr lang="en-US" sz="1300" dirty="0">
-                <a:latin typeface="Times New Roman"/>
-                <a:cs typeface="Times New Roman"/>
-              </a:rPr>
-              <a:t>cat: View file contents.</a:t>
-            </a:r>
-          </a:p>
-          <a:p>
-            <a:pPr marL="285750" indent="-285750">
-              <a:buFont typeface="Arial"/>
-              <a:buChar char="•"/>
-            </a:pPr>
-            <a:r>
-              <a:rPr lang="en-US" sz="1300" dirty="0">
-                <a:latin typeface="Times New Roman"/>
-                <a:cs typeface="Times New Roman"/>
-              </a:rPr>
-              <a:t>nano or vim: Edit files.</a:t>
-            </a:r>
-          </a:p>
-          <a:p>
-            <a:pPr marL="285750" indent="-285750">
-              <a:buFont typeface="Arial"/>
-              <a:buChar char="•"/>
-            </a:pPr>
-            <a:r>
-              <a:rPr lang="en-US" sz="1300" dirty="0">
-                <a:latin typeface="Times New Roman"/>
-                <a:cs typeface="Times New Roman"/>
-              </a:rPr>
-              <a:t>less: View file contents one page at a time.</a:t>
-            </a:r>
-          </a:p>
-          <a:p>
-            <a:pPr marL="285750" indent="-285750">
-              <a:buFont typeface="Arial"/>
-              <a:buChar char="•"/>
-            </a:pPr>
-            <a:endParaRPr lang="en-US" sz="1300" dirty="0">
-              <a:latin typeface="Times New Roman"/>
-              <a:cs typeface="Times New Roman"/>
-            </a:endParaRPr>
-          </a:p>
-          <a:p>
-            <a:r>
-              <a:rPr lang="en-US" sz="1400" b="1" dirty="0">
-                <a:latin typeface="Times New Roman"/>
-                <a:cs typeface="Times New Roman"/>
-              </a:rPr>
-              <a:t>System Monitoring:</a:t>
-            </a:r>
-          </a:p>
-          <a:p>
-            <a:pPr marL="285750" indent="-285750">
-              <a:buFont typeface="Arial"/>
-              <a:buChar char="•"/>
-            </a:pPr>
-            <a:r>
-              <a:rPr lang="en-US" sz="1300" dirty="0">
-                <a:latin typeface="Times New Roman"/>
-                <a:cs typeface="Times New Roman"/>
-              </a:rPr>
-              <a:t>top: Display running processes.</a:t>
-            </a:r>
-          </a:p>
-          <a:p>
-            <a:pPr marL="285750" indent="-285750">
-              <a:buFont typeface="Arial"/>
-              <a:buChar char="•"/>
-            </a:pPr>
-            <a:r>
-              <a:rPr lang="en-US" sz="1300" err="1">
-                <a:latin typeface="Times New Roman"/>
-                <a:cs typeface="Times New Roman"/>
-              </a:rPr>
-              <a:t>df</a:t>
-            </a:r>
-            <a:r>
-              <a:rPr lang="en-US" sz="1300" dirty="0">
-                <a:latin typeface="Times New Roman"/>
-                <a:cs typeface="Times New Roman"/>
-              </a:rPr>
-              <a:t>: Show disk space usage.</a:t>
-            </a:r>
-          </a:p>
-          <a:p>
-            <a:pPr marL="285750" indent="-285750">
-              <a:buFont typeface="Arial"/>
-              <a:buChar char="•"/>
-            </a:pPr>
-            <a:r>
-              <a:rPr lang="en-US" sz="1300" dirty="0">
-                <a:latin typeface="Times New Roman"/>
-                <a:cs typeface="Times New Roman"/>
-              </a:rPr>
-              <a:t>free: Display memory usage.</a:t>
-            </a:r>
-          </a:p>
-          <a:p>
-            <a:pPr marL="285750" indent="-285750">
-              <a:buFont typeface="Arial"/>
-              <a:buChar char="•"/>
-            </a:pPr>
-            <a:r>
-              <a:rPr lang="en-US" sz="1300" dirty="0">
-                <a:latin typeface="Times New Roman"/>
-                <a:cs typeface="Times New Roman"/>
-              </a:rPr>
-              <a:t>User Management:</a:t>
-            </a:r>
-          </a:p>
-          <a:p>
-            <a:pPr marL="285750" indent="-285750">
-              <a:buFont typeface="Arial"/>
-              <a:buChar char="•"/>
-            </a:pPr>
-            <a:r>
-              <a:rPr lang="en-US" sz="1300" err="1">
-                <a:latin typeface="Times New Roman"/>
-                <a:cs typeface="Times New Roman"/>
-              </a:rPr>
-              <a:t>whoami</a:t>
-            </a:r>
-            <a:r>
-              <a:rPr lang="en-US" sz="1300" dirty="0">
-                <a:latin typeface="Times New Roman"/>
-                <a:cs typeface="Times New Roman"/>
-              </a:rPr>
-              <a:t>: Show the current user.</a:t>
-            </a:r>
-          </a:p>
-          <a:p>
-            <a:pPr marL="285750" indent="-285750">
-              <a:buFont typeface="Arial"/>
-              <a:buChar char="•"/>
-            </a:pPr>
-            <a:r>
-              <a:rPr lang="en-US" sz="1300" err="1">
-                <a:latin typeface="Times New Roman"/>
-                <a:cs typeface="Times New Roman"/>
-              </a:rPr>
-              <a:t>adduser</a:t>
-            </a:r>
-            <a:r>
-              <a:rPr lang="en-US" sz="1300" dirty="0">
-                <a:latin typeface="Times New Roman"/>
-                <a:cs typeface="Times New Roman"/>
-              </a:rPr>
-              <a:t>: Add a new user.</a:t>
-            </a:r>
-          </a:p>
-          <a:p>
-            <a:pPr marL="285750" indent="-285750">
-              <a:buFont typeface="Arial"/>
-              <a:buChar char="•"/>
-            </a:pPr>
-            <a:r>
-              <a:rPr lang="en-US" sz="1300" dirty="0">
-                <a:latin typeface="Times New Roman"/>
-                <a:cs typeface="Times New Roman"/>
-              </a:rPr>
-              <a:t>passwd: Change a user's password.</a:t>
-            </a:r>
-          </a:p>
-          <a:p>
-            <a:pPr marL="285750" indent="-285750">
-              <a:buFont typeface="Arial"/>
-              <a:buChar char="•"/>
-            </a:pPr>
-            <a:r>
-              <a:rPr lang="en-US" sz="1300" dirty="0">
-                <a:latin typeface="Times New Roman"/>
-                <a:cs typeface="Times New Roman"/>
-              </a:rPr>
-              <a:t>Package Management (varies by distro):</a:t>
-            </a:r>
-          </a:p>
-          <a:p>
-            <a:pPr marL="285750" indent="-285750">
-              <a:buFont typeface="Arial"/>
-              <a:buChar char="•"/>
-            </a:pPr>
-            <a:r>
-              <a:rPr lang="en-US" sz="1300" dirty="0">
-                <a:latin typeface="Times New Roman"/>
-                <a:cs typeface="Times New Roman"/>
-              </a:rPr>
-              <a:t>apt (Debian/Ubuntu): Install, update, or remove software.</a:t>
-            </a:r>
-          </a:p>
-          <a:p>
-            <a:pPr marL="285750" indent="-285750">
-              <a:buFont typeface="Arial"/>
-              <a:buChar char="•"/>
-            </a:pPr>
-            <a:r>
-              <a:rPr lang="en-US" sz="1300" dirty="0">
-                <a:latin typeface="Times New Roman"/>
-                <a:cs typeface="Times New Roman"/>
-              </a:rPr>
-              <a:t>yum or </a:t>
-            </a:r>
-            <a:r>
-              <a:rPr lang="en-US" sz="1300" err="1">
-                <a:latin typeface="Times New Roman"/>
-                <a:cs typeface="Times New Roman"/>
-              </a:rPr>
-              <a:t>dnf</a:t>
-            </a:r>
-            <a:r>
-              <a:rPr lang="en-US" sz="1300" dirty="0">
-                <a:latin typeface="Times New Roman"/>
-                <a:cs typeface="Times New Roman"/>
-              </a:rPr>
-              <a:t> (RHEL/Fedora): Manage packages.</a:t>
-            </a:r>
-          </a:p>
-          <a:p>
-            <a:pPr marL="285750" indent="-285750">
-              <a:buFont typeface="Arial"/>
-              <a:buChar char="•"/>
-            </a:pPr>
-            <a:r>
-              <a:rPr lang="en-US" sz="1300" err="1">
-                <a:latin typeface="Times New Roman"/>
-                <a:cs typeface="Times New Roman"/>
-              </a:rPr>
-              <a:t>pacman</a:t>
-            </a:r>
-            <a:r>
-              <a:rPr lang="en-US" sz="1300" dirty="0">
-                <a:latin typeface="Times New Roman"/>
-                <a:cs typeface="Times New Roman"/>
-              </a:rPr>
-              <a:t> (Arch): Manage packages.</a:t>
+              <a:rPr lang="en-US" sz="1200" dirty="0">
+                <a:latin typeface="Times New Roman"/>
+                <a:cs typeface="Times New Roman"/>
+              </a:rPr>
+              <a:t>Hardware Support: Certain hardware may lack drivers or support.</a:t>
             </a:r>
           </a:p>
         </p:txBody>
       </p:sp>
+      <p:pic>
+        <p:nvPicPr>
+          <p:cNvPr id="10" name="Picture 9" descr="Linux - Wikipedia">
+            <a:extLst>
+              <a:ext uri="{FF2B5EF4-FFF2-40B4-BE49-F238E27FC236}">
+                <a16:creationId xmlns:a16="http://schemas.microsoft.com/office/drawing/2014/main" id="{3D204ADA-5800-1728-298A-EBEBA267F8BD}"/>
+              </a:ext>
+            </a:extLst>
+          </p:cNvPr>
+          <p:cNvPicPr>
+            <a:picLocks noChangeAspect="1"/>
+          </p:cNvPicPr>
+          <p:nvPr/>
+        </p:nvPicPr>
+        <p:blipFill>
+          <a:blip r:embed="rId3"/>
+          <a:stretch>
+            <a:fillRect/>
+          </a:stretch>
+        </p:blipFill>
+        <p:spPr>
+          <a:xfrm>
+            <a:off x="9504045" y="5396230"/>
+            <a:ext cx="1129030" cy="1358900"/>
+          </a:xfrm>
+          <a:prstGeom prst="rect">
+            <a:avLst/>
+          </a:prstGeom>
+        </p:spPr>
+      </p:pic>
     </p:spTree>
     <p:extLst>
       <p:ext uri="{BB962C8B-B14F-4D97-AF65-F5344CB8AC3E}">
-        <p14:creationId xmlns:p14="http://schemas.microsoft.com/office/powerpoint/2010/main" val="3839720292"/>
+        <p14:creationId xmlns:p14="http://schemas.microsoft.com/office/powerpoint/2010/main" val="847293963"/>
       </p:ext>
     </p:extLst>
   </p:cSld>
@@ -15031,6 +14675,849 @@
 </file>
 
 <file path=ppt/slides/slide20.xml><?xml version="1.0" encoding="utf-8"?>
+<p:sld xmlns:a="http://schemas.openxmlformats.org/drawingml/2006/main" xmlns:r="http://schemas.openxmlformats.org/officeDocument/2006/relationships" xmlns:p="http://schemas.openxmlformats.org/presentationml/2006/main">
+  <p:cSld>
+    <p:spTree>
+      <p:nvGrpSpPr>
+        <p:cNvPr id="1" name="">
+          <a:extLst>
+            <a:ext uri="{FF2B5EF4-FFF2-40B4-BE49-F238E27FC236}">
+              <a16:creationId xmlns:a16="http://schemas.microsoft.com/office/drawing/2014/main" id="{ADE75209-4475-9FB7-70B8-5678C6C89C91}"/>
+            </a:ext>
+          </a:extLst>
+        </p:cNvPr>
+        <p:cNvGrpSpPr/>
+        <p:nvPr/>
+      </p:nvGrpSpPr>
+      <p:grpSpPr>
+        <a:xfrm>
+          <a:off x="0" y="0"/>
+          <a:ext cx="0" cy="0"/>
+          <a:chOff x="0" y="0"/>
+          <a:chExt cx="0" cy="0"/>
+        </a:xfrm>
+      </p:grpSpPr>
+      <p:sp>
+        <p:nvSpPr>
+          <p:cNvPr id="2" name="Title 1">
+            <a:extLst>
+              <a:ext uri="{FF2B5EF4-FFF2-40B4-BE49-F238E27FC236}">
+                <a16:creationId xmlns:a16="http://schemas.microsoft.com/office/drawing/2014/main" id="{642949DC-BA15-0012-91C1-06407D0729BD}"/>
+              </a:ext>
+            </a:extLst>
+          </p:cNvPr>
+          <p:cNvSpPr>
+            <a:spLocks noGrp="1"/>
+          </p:cNvSpPr>
+          <p:nvPr>
+            <p:ph type="title"/>
+          </p:nvPr>
+        </p:nvSpPr>
+        <p:spPr>
+          <a:xfrm>
+            <a:off x="670790" y="523462"/>
+            <a:ext cx="10515600" cy="1325563"/>
+          </a:xfrm>
+        </p:spPr>
+        <p:txBody>
+          <a:bodyPr>
+            <a:normAutofit/>
+          </a:bodyPr>
+          <a:lstStyle/>
+          <a:p>
+            <a:pPr>
+              <a:lnSpc>
+                <a:spcPct val="100000"/>
+              </a:lnSpc>
+              <a:spcBef>
+                <a:spcPts val="0"/>
+              </a:spcBef>
+            </a:pPr>
+            <a:r>
+              <a:rPr lang="en-US" sz="3200" b="1" dirty="0">
+                <a:ea typeface="+mj-lt"/>
+                <a:cs typeface="+mj-lt"/>
+              </a:rPr>
+              <a:t>Linux</a:t>
+            </a:r>
+            <a:endParaRPr lang="en-US" b="1" dirty="0">
+              <a:latin typeface="Times New Roman"/>
+              <a:cs typeface="Times New Roman"/>
+            </a:endParaRPr>
+          </a:p>
+          <a:p>
+            <a:endParaRPr lang="en-US" sz="3200" b="1" dirty="0">
+              <a:latin typeface="Times New Roman"/>
+              <a:cs typeface="Times New Roman"/>
+            </a:endParaRPr>
+          </a:p>
+        </p:txBody>
+      </p:sp>
+      <p:cxnSp>
+        <p:nvCxnSpPr>
+          <p:cNvPr id="4" name="Straight Arrow Connector 3">
+            <a:extLst>
+              <a:ext uri="{FF2B5EF4-FFF2-40B4-BE49-F238E27FC236}">
+                <a16:creationId xmlns:a16="http://schemas.microsoft.com/office/drawing/2014/main" id="{C5CCF7B1-8433-71E4-CA71-96AE8D5F8645}"/>
+              </a:ext>
+            </a:extLst>
+          </p:cNvPr>
+          <p:cNvCxnSpPr/>
+          <p:nvPr/>
+        </p:nvCxnSpPr>
+        <p:spPr>
+          <a:xfrm flipV="1">
+            <a:off x="-72572" y="1255648"/>
+            <a:ext cx="12194030" cy="11373"/>
+          </a:xfrm>
+          <a:prstGeom prst="straightConnector1">
+            <a:avLst/>
+          </a:prstGeom>
+          <a:ln>
+            <a:solidFill>
+              <a:schemeClr val="tx1"/>
+            </a:solidFill>
+          </a:ln>
+        </p:spPr>
+        <p:style>
+          <a:lnRef idx="2">
+            <a:schemeClr val="accent1"/>
+          </a:lnRef>
+          <a:fillRef idx="0">
+            <a:schemeClr val="accent1"/>
+          </a:fillRef>
+          <a:effectRef idx="1">
+            <a:schemeClr val="accent1"/>
+          </a:effectRef>
+          <a:fontRef idx="minor">
+            <a:schemeClr val="tx1"/>
+          </a:fontRef>
+        </p:style>
+      </p:cxnSp>
+      <p:pic>
+        <p:nvPicPr>
+          <p:cNvPr id="5" name="Picture 4">
+            <a:extLst>
+              <a:ext uri="{FF2B5EF4-FFF2-40B4-BE49-F238E27FC236}">
+                <a16:creationId xmlns:a16="http://schemas.microsoft.com/office/drawing/2014/main" id="{5EDD05E6-69D6-5D74-7F86-10FF5BA4F3B4}"/>
+              </a:ext>
+            </a:extLst>
+          </p:cNvPr>
+          <p:cNvPicPr>
+            <a:picLocks noChangeAspect="1"/>
+          </p:cNvPicPr>
+          <p:nvPr/>
+        </p:nvPicPr>
+        <p:blipFill>
+          <a:blip r:embed="rId2"/>
+          <a:srcRect l="-336" t="18174" b="22340"/>
+          <a:stretch/>
+        </p:blipFill>
+        <p:spPr>
+          <a:xfrm>
+            <a:off x="10069488" y="178416"/>
+            <a:ext cx="2125368" cy="640177"/>
+          </a:xfrm>
+          <a:prstGeom prst="rect">
+            <a:avLst/>
+          </a:prstGeom>
+        </p:spPr>
+      </p:pic>
+      <p:cxnSp>
+        <p:nvCxnSpPr>
+          <p:cNvPr id="6" name="Straight Arrow Connector 5">
+            <a:extLst>
+              <a:ext uri="{FF2B5EF4-FFF2-40B4-BE49-F238E27FC236}">
+                <a16:creationId xmlns:a16="http://schemas.microsoft.com/office/drawing/2014/main" id="{9A1047F9-92D3-7F19-063F-9F67CA1B3076}"/>
+              </a:ext>
+            </a:extLst>
+          </p:cNvPr>
+          <p:cNvCxnSpPr/>
+          <p:nvPr/>
+        </p:nvCxnSpPr>
+        <p:spPr>
+          <a:xfrm>
+            <a:off x="780684" y="1251045"/>
+            <a:ext cx="13674" cy="5597885"/>
+          </a:xfrm>
+          <a:prstGeom prst="straightConnector1">
+            <a:avLst/>
+          </a:prstGeom>
+          <a:ln>
+            <a:solidFill>
+              <a:schemeClr val="tx1"/>
+            </a:solidFill>
+          </a:ln>
+        </p:spPr>
+        <p:style>
+          <a:lnRef idx="2">
+            <a:schemeClr val="accent1"/>
+          </a:lnRef>
+          <a:fillRef idx="0">
+            <a:schemeClr val="accent1"/>
+          </a:fillRef>
+          <a:effectRef idx="1">
+            <a:schemeClr val="accent1"/>
+          </a:effectRef>
+          <a:fontRef idx="minor">
+            <a:schemeClr val="tx1"/>
+          </a:fontRef>
+        </p:style>
+      </p:cxnSp>
+      <p:cxnSp>
+        <p:nvCxnSpPr>
+          <p:cNvPr id="7" name="Straight Arrow Connector 6">
+            <a:extLst>
+              <a:ext uri="{FF2B5EF4-FFF2-40B4-BE49-F238E27FC236}">
+                <a16:creationId xmlns:a16="http://schemas.microsoft.com/office/drawing/2014/main" id="{DAC4C74E-02B7-2032-1823-8A536FF2E096}"/>
+              </a:ext>
+            </a:extLst>
+          </p:cNvPr>
+          <p:cNvCxnSpPr>
+            <a:cxnSpLocks/>
+          </p:cNvCxnSpPr>
+          <p:nvPr/>
+        </p:nvCxnSpPr>
+        <p:spPr>
+          <a:xfrm flipH="1">
+            <a:off x="716507" y="1262416"/>
+            <a:ext cx="11373" cy="5572837"/>
+          </a:xfrm>
+          <a:prstGeom prst="straightConnector1">
+            <a:avLst/>
+          </a:prstGeom>
+          <a:ln>
+            <a:solidFill>
+              <a:schemeClr val="tx1"/>
+            </a:solidFill>
+          </a:ln>
+        </p:spPr>
+        <p:style>
+          <a:lnRef idx="2">
+            <a:schemeClr val="accent1"/>
+          </a:lnRef>
+          <a:fillRef idx="0">
+            <a:schemeClr val="accent1"/>
+          </a:fillRef>
+          <a:effectRef idx="1">
+            <a:schemeClr val="accent1"/>
+          </a:effectRef>
+          <a:fontRef idx="minor">
+            <a:schemeClr val="tx1"/>
+          </a:fontRef>
+        </p:style>
+      </p:cxnSp>
+      <p:cxnSp>
+        <p:nvCxnSpPr>
+          <p:cNvPr id="8" name="Straight Arrow Connector 7">
+            <a:extLst>
+              <a:ext uri="{FF2B5EF4-FFF2-40B4-BE49-F238E27FC236}">
+                <a16:creationId xmlns:a16="http://schemas.microsoft.com/office/drawing/2014/main" id="{91C8D0AD-A47A-EAFE-CA94-CFB392EC295F}"/>
+              </a:ext>
+            </a:extLst>
+          </p:cNvPr>
+          <p:cNvCxnSpPr>
+            <a:cxnSpLocks/>
+          </p:cNvCxnSpPr>
+          <p:nvPr/>
+        </p:nvCxnSpPr>
+        <p:spPr>
+          <a:xfrm flipV="1">
+            <a:off x="2162" y="1176169"/>
+            <a:ext cx="12192001" cy="20444"/>
+          </a:xfrm>
+          <a:prstGeom prst="straightConnector1">
+            <a:avLst/>
+          </a:prstGeom>
+          <a:ln>
+            <a:solidFill>
+              <a:schemeClr val="tx1"/>
+            </a:solidFill>
+          </a:ln>
+        </p:spPr>
+        <p:style>
+          <a:lnRef idx="2">
+            <a:schemeClr val="accent1"/>
+          </a:lnRef>
+          <a:fillRef idx="0">
+            <a:schemeClr val="accent1"/>
+          </a:fillRef>
+          <a:effectRef idx="1">
+            <a:schemeClr val="accent1"/>
+          </a:effectRef>
+          <a:fontRef idx="minor">
+            <a:schemeClr val="tx1"/>
+          </a:fontRef>
+        </p:style>
+      </p:cxnSp>
+      <p:cxnSp>
+        <p:nvCxnSpPr>
+          <p:cNvPr id="11" name="Straight Arrow Connector 10">
+            <a:extLst>
+              <a:ext uri="{FF2B5EF4-FFF2-40B4-BE49-F238E27FC236}">
+                <a16:creationId xmlns:a16="http://schemas.microsoft.com/office/drawing/2014/main" id="{D391678E-5873-1049-FFCB-0C011246DC90}"/>
+              </a:ext>
+            </a:extLst>
+          </p:cNvPr>
+          <p:cNvCxnSpPr>
+            <a:cxnSpLocks/>
+          </p:cNvCxnSpPr>
+          <p:nvPr/>
+        </p:nvCxnSpPr>
+        <p:spPr>
+          <a:xfrm>
+            <a:off x="10699851" y="1265888"/>
+            <a:ext cx="9898" cy="5569204"/>
+          </a:xfrm>
+          <a:prstGeom prst="straightConnector1">
+            <a:avLst/>
+          </a:prstGeom>
+          <a:ln>
+            <a:solidFill>
+              <a:schemeClr val="tx1"/>
+            </a:solidFill>
+          </a:ln>
+        </p:spPr>
+        <p:style>
+          <a:lnRef idx="2">
+            <a:schemeClr val="accent1"/>
+          </a:lnRef>
+          <a:fillRef idx="0">
+            <a:schemeClr val="accent1"/>
+          </a:fillRef>
+          <a:effectRef idx="1">
+            <a:schemeClr val="accent1"/>
+          </a:effectRef>
+          <a:fontRef idx="minor">
+            <a:schemeClr val="tx1"/>
+          </a:fontRef>
+        </p:style>
+      </p:cxnSp>
+      <p:cxnSp>
+        <p:nvCxnSpPr>
+          <p:cNvPr id="13" name="Straight Arrow Connector 12">
+            <a:extLst>
+              <a:ext uri="{FF2B5EF4-FFF2-40B4-BE49-F238E27FC236}">
+                <a16:creationId xmlns:a16="http://schemas.microsoft.com/office/drawing/2014/main" id="{08175809-82C0-2D4F-75A2-F5AAC83E4F8C}"/>
+              </a:ext>
+            </a:extLst>
+          </p:cNvPr>
+          <p:cNvCxnSpPr>
+            <a:cxnSpLocks/>
+          </p:cNvCxnSpPr>
+          <p:nvPr/>
+        </p:nvCxnSpPr>
+        <p:spPr>
+          <a:xfrm>
+            <a:off x="10759227" y="1285680"/>
+            <a:ext cx="9898" cy="5569204"/>
+          </a:xfrm>
+          <a:prstGeom prst="straightConnector1">
+            <a:avLst/>
+          </a:prstGeom>
+          <a:ln>
+            <a:solidFill>
+              <a:schemeClr val="tx1"/>
+            </a:solidFill>
+          </a:ln>
+        </p:spPr>
+        <p:style>
+          <a:lnRef idx="2">
+            <a:schemeClr val="accent1"/>
+          </a:lnRef>
+          <a:fillRef idx="0">
+            <a:schemeClr val="accent1"/>
+          </a:fillRef>
+          <a:effectRef idx="1">
+            <a:schemeClr val="accent1"/>
+          </a:effectRef>
+          <a:fontRef idx="minor">
+            <a:schemeClr val="tx1"/>
+          </a:fontRef>
+        </p:style>
+      </p:cxnSp>
+      <p:sp>
+        <p:nvSpPr>
+          <p:cNvPr id="9" name="TextBox 8">
+            <a:extLst>
+              <a:ext uri="{FF2B5EF4-FFF2-40B4-BE49-F238E27FC236}">
+                <a16:creationId xmlns:a16="http://schemas.microsoft.com/office/drawing/2014/main" id="{0C2CB8A2-0539-AFC1-01B3-F641D0AA3FD6}"/>
+              </a:ext>
+            </a:extLst>
+          </p:cNvPr>
+          <p:cNvSpPr txBox="1"/>
+          <p:nvPr/>
+        </p:nvSpPr>
+        <p:spPr>
+          <a:xfrm>
+            <a:off x="835230" y="1290452"/>
+            <a:ext cx="9700161" cy="523220"/>
+          </a:xfrm>
+          <a:prstGeom prst="rect">
+            <a:avLst/>
+          </a:prstGeom>
+          <a:noFill/>
+        </p:spPr>
+        <p:txBody>
+          <a:bodyPr rot="0" spcFirstLastPara="0" vertOverflow="overflow" horzOverflow="overflow" vert="horz" wrap="square" lIns="91440" tIns="45720" rIns="91440" bIns="45720" numCol="1" spcCol="0" rtlCol="0" fromWordArt="0" anchor="t" anchorCtr="0" forceAA="0" compatLnSpc="1">
+            <a:prstTxWarp prst="textNoShape">
+              <a:avLst/>
+            </a:prstTxWarp>
+            <a:spAutoFit/>
+          </a:bodyPr>
+          <a:lstStyle/>
+          <a:p>
+            <a:r>
+              <a:rPr lang="en-US" sz="1400" b="1" dirty="0">
+                <a:latin typeface="Times New Roman"/>
+                <a:cs typeface="Times New Roman"/>
+              </a:rPr>
+              <a:t>Basic Linux Commands: </a:t>
+            </a:r>
+            <a:r>
+              <a:rPr lang="en-US" sz="1400" dirty="0">
+                <a:latin typeface="Times New Roman"/>
+                <a:cs typeface="Times New Roman"/>
+              </a:rPr>
+              <a:t>Here</a:t>
+            </a:r>
+            <a:r>
+              <a:rPr lang="en-US" sz="1400" dirty="0">
+                <a:latin typeface="Times New Roman"/>
+                <a:ea typeface="+mn-lt"/>
+                <a:cs typeface="+mn-lt"/>
+              </a:rPr>
+              <a:t> are some commonly used Linux commands</a:t>
+            </a:r>
+            <a:endParaRPr lang="en-US" sz="1400" dirty="0">
+              <a:latin typeface="Times New Roman"/>
+              <a:cs typeface="Times New Roman"/>
+            </a:endParaRPr>
+          </a:p>
+          <a:p>
+            <a:endParaRPr lang="en-US" sz="1400" dirty="0">
+              <a:latin typeface="Times New Roman"/>
+              <a:cs typeface="Times New Roman"/>
+            </a:endParaRPr>
+          </a:p>
+        </p:txBody>
+      </p:sp>
+      <p:sp>
+        <p:nvSpPr>
+          <p:cNvPr id="3" name="TextBox 2">
+            <a:extLst>
+              <a:ext uri="{FF2B5EF4-FFF2-40B4-BE49-F238E27FC236}">
+                <a16:creationId xmlns:a16="http://schemas.microsoft.com/office/drawing/2014/main" id="{406CA39B-B708-5EB8-715D-3C70CADF561F}"/>
+              </a:ext>
+            </a:extLst>
+          </p:cNvPr>
+          <p:cNvSpPr txBox="1"/>
+          <p:nvPr/>
+        </p:nvSpPr>
+        <p:spPr>
+          <a:xfrm>
+            <a:off x="785751" y="1814946"/>
+            <a:ext cx="9561614" cy="5093702"/>
+          </a:xfrm>
+          <a:prstGeom prst="rect">
+            <a:avLst/>
+          </a:prstGeom>
+          <a:noFill/>
+        </p:spPr>
+        <p:txBody>
+          <a:bodyPr rot="0" spcFirstLastPara="0" vertOverflow="overflow" horzOverflow="overflow" vert="horz" wrap="square" lIns="91440" tIns="45720" rIns="91440" bIns="45720" numCol="1" spcCol="0" rtlCol="0" fromWordArt="0" anchor="t" anchorCtr="0" forceAA="0" compatLnSpc="1">
+            <a:prstTxWarp prst="textNoShape">
+              <a:avLst/>
+            </a:prstTxWarp>
+            <a:spAutoFit/>
+          </a:bodyPr>
+          <a:lstStyle/>
+          <a:p>
+            <a:r>
+              <a:rPr lang="en-US" sz="1300" b="1" dirty="0">
+                <a:latin typeface="Times New Roman"/>
+                <a:cs typeface="Times New Roman"/>
+              </a:rPr>
+              <a:t>File and Directory Management:</a:t>
+            </a:r>
+          </a:p>
+          <a:p>
+            <a:pPr marL="285750" indent="-285750">
+              <a:buFont typeface="Arial"/>
+              <a:buChar char="•"/>
+            </a:pPr>
+            <a:r>
+              <a:rPr lang="en-US" sz="1300" dirty="0">
+                <a:latin typeface="Times New Roman"/>
+                <a:cs typeface="Times New Roman"/>
+              </a:rPr>
+              <a:t>ls: List files and directories.</a:t>
+            </a:r>
+          </a:p>
+          <a:p>
+            <a:pPr marL="285750" indent="-285750">
+              <a:buFont typeface="Arial"/>
+              <a:buChar char="•"/>
+            </a:pPr>
+            <a:r>
+              <a:rPr lang="en-US" sz="1300" dirty="0">
+                <a:latin typeface="Times New Roman"/>
+                <a:cs typeface="Times New Roman"/>
+              </a:rPr>
+              <a:t>cd: Change directory.</a:t>
+            </a:r>
+          </a:p>
+          <a:p>
+            <a:pPr marL="285750" indent="-285750">
+              <a:buFont typeface="Arial"/>
+              <a:buChar char="•"/>
+            </a:pPr>
+            <a:r>
+              <a:rPr lang="en-US" sz="1300" err="1">
+                <a:latin typeface="Times New Roman"/>
+                <a:cs typeface="Times New Roman"/>
+              </a:rPr>
+              <a:t>pwd</a:t>
+            </a:r>
+            <a:r>
+              <a:rPr lang="en-US" sz="1300" dirty="0">
+                <a:latin typeface="Times New Roman"/>
+                <a:cs typeface="Times New Roman"/>
+              </a:rPr>
+              <a:t>: Print the current working directory.</a:t>
+            </a:r>
+          </a:p>
+          <a:p>
+            <a:pPr marL="285750" indent="-285750">
+              <a:buFont typeface="Arial"/>
+              <a:buChar char="•"/>
+            </a:pPr>
+            <a:r>
+              <a:rPr lang="en-US" sz="1300" err="1">
+                <a:latin typeface="Times New Roman"/>
+                <a:cs typeface="Times New Roman"/>
+              </a:rPr>
+              <a:t>mkdir</a:t>
+            </a:r>
+            <a:r>
+              <a:rPr lang="en-US" sz="1300" dirty="0">
+                <a:latin typeface="Times New Roman"/>
+                <a:cs typeface="Times New Roman"/>
+              </a:rPr>
+              <a:t>: Create a new directory.</a:t>
+            </a:r>
+          </a:p>
+          <a:p>
+            <a:pPr marL="285750" indent="-285750">
+              <a:buFont typeface="Arial"/>
+              <a:buChar char="•"/>
+            </a:pPr>
+            <a:r>
+              <a:rPr lang="en-US" sz="1300" dirty="0">
+                <a:latin typeface="Times New Roman"/>
+                <a:cs typeface="Times New Roman"/>
+              </a:rPr>
+              <a:t>rm: Remove files or directories.</a:t>
+            </a:r>
+          </a:p>
+          <a:p>
+            <a:pPr marL="285750" indent="-285750">
+              <a:buFont typeface="Arial"/>
+              <a:buChar char="•"/>
+            </a:pPr>
+            <a:r>
+              <a:rPr lang="en-US" sz="1300" dirty="0">
+                <a:latin typeface="Times New Roman"/>
+                <a:cs typeface="Times New Roman"/>
+              </a:rPr>
+              <a:t>cp: Copy files or directories.</a:t>
+            </a:r>
+          </a:p>
+          <a:p>
+            <a:pPr marL="285750" indent="-285750">
+              <a:buFont typeface="Arial"/>
+              <a:buChar char="•"/>
+            </a:pPr>
+            <a:r>
+              <a:rPr lang="en-US" sz="1300" dirty="0">
+                <a:latin typeface="Times New Roman"/>
+                <a:cs typeface="Times New Roman"/>
+              </a:rPr>
+              <a:t>mv: Move or rename files.</a:t>
+            </a:r>
+          </a:p>
+          <a:p>
+            <a:pPr marL="285750" indent="-285750">
+              <a:buFont typeface="Arial"/>
+              <a:buChar char="•"/>
+            </a:pPr>
+            <a:r>
+              <a:rPr lang="en-US" sz="1300" dirty="0">
+                <a:latin typeface="Times New Roman"/>
+                <a:cs typeface="Times New Roman"/>
+              </a:rPr>
+              <a:t>File Viewing and Editing:</a:t>
+            </a:r>
+          </a:p>
+          <a:p>
+            <a:pPr marL="285750" indent="-285750">
+              <a:buFont typeface="Arial"/>
+              <a:buChar char="•"/>
+            </a:pPr>
+            <a:r>
+              <a:rPr lang="en-US" sz="1300" dirty="0">
+                <a:latin typeface="Times New Roman"/>
+                <a:cs typeface="Times New Roman"/>
+              </a:rPr>
+              <a:t>cat: View file contents.</a:t>
+            </a:r>
+          </a:p>
+          <a:p>
+            <a:pPr marL="285750" indent="-285750">
+              <a:buFont typeface="Arial"/>
+              <a:buChar char="•"/>
+            </a:pPr>
+            <a:r>
+              <a:rPr lang="en-US" sz="1300" dirty="0">
+                <a:latin typeface="Times New Roman"/>
+                <a:cs typeface="Times New Roman"/>
+              </a:rPr>
+              <a:t>nano or vim: Edit files.</a:t>
+            </a:r>
+          </a:p>
+          <a:p>
+            <a:pPr marL="285750" indent="-285750">
+              <a:buFont typeface="Arial"/>
+              <a:buChar char="•"/>
+            </a:pPr>
+            <a:r>
+              <a:rPr lang="en-US" sz="1300" dirty="0">
+                <a:latin typeface="Times New Roman"/>
+                <a:cs typeface="Times New Roman"/>
+              </a:rPr>
+              <a:t>less: View file contents one page at a time.</a:t>
+            </a:r>
+          </a:p>
+          <a:p>
+            <a:pPr marL="285750" indent="-285750">
+              <a:buFont typeface="Arial"/>
+              <a:buChar char="•"/>
+            </a:pPr>
+            <a:endParaRPr lang="en-US" sz="1300" dirty="0">
+              <a:latin typeface="Times New Roman"/>
+              <a:cs typeface="Times New Roman"/>
+            </a:endParaRPr>
+          </a:p>
+          <a:p>
+            <a:r>
+              <a:rPr lang="en-US" sz="1400" b="1" dirty="0">
+                <a:latin typeface="Times New Roman"/>
+                <a:cs typeface="Times New Roman"/>
+              </a:rPr>
+              <a:t>System Monitoring:</a:t>
+            </a:r>
+          </a:p>
+          <a:p>
+            <a:pPr marL="285750" indent="-285750">
+              <a:buFont typeface="Arial"/>
+              <a:buChar char="•"/>
+            </a:pPr>
+            <a:r>
+              <a:rPr lang="en-US" sz="1300" dirty="0">
+                <a:latin typeface="Times New Roman"/>
+                <a:cs typeface="Times New Roman"/>
+              </a:rPr>
+              <a:t>top: Display running processes.</a:t>
+            </a:r>
+          </a:p>
+          <a:p>
+            <a:pPr marL="285750" indent="-285750">
+              <a:buFont typeface="Arial"/>
+              <a:buChar char="•"/>
+            </a:pPr>
+            <a:r>
+              <a:rPr lang="en-US" sz="1300" err="1">
+                <a:latin typeface="Times New Roman"/>
+                <a:cs typeface="Times New Roman"/>
+              </a:rPr>
+              <a:t>df</a:t>
+            </a:r>
+            <a:r>
+              <a:rPr lang="en-US" sz="1300" dirty="0">
+                <a:latin typeface="Times New Roman"/>
+                <a:cs typeface="Times New Roman"/>
+              </a:rPr>
+              <a:t>: Show disk space usage.</a:t>
+            </a:r>
+          </a:p>
+          <a:p>
+            <a:pPr marL="285750" indent="-285750">
+              <a:buFont typeface="Arial"/>
+              <a:buChar char="•"/>
+            </a:pPr>
+            <a:r>
+              <a:rPr lang="en-US" sz="1300" dirty="0">
+                <a:latin typeface="Times New Roman"/>
+                <a:cs typeface="Times New Roman"/>
+              </a:rPr>
+              <a:t>free: Display memory usage.</a:t>
+            </a:r>
+          </a:p>
+          <a:p>
+            <a:pPr marL="285750" indent="-285750">
+              <a:buFont typeface="Arial"/>
+              <a:buChar char="•"/>
+            </a:pPr>
+            <a:r>
+              <a:rPr lang="en-US" sz="1300" dirty="0">
+                <a:latin typeface="Times New Roman"/>
+                <a:cs typeface="Times New Roman"/>
+              </a:rPr>
+              <a:t>User Management:</a:t>
+            </a:r>
+          </a:p>
+          <a:p>
+            <a:pPr marL="285750" indent="-285750">
+              <a:buFont typeface="Arial"/>
+              <a:buChar char="•"/>
+            </a:pPr>
+            <a:r>
+              <a:rPr lang="en-US" sz="1300" err="1">
+                <a:latin typeface="Times New Roman"/>
+                <a:cs typeface="Times New Roman"/>
+              </a:rPr>
+              <a:t>whoami</a:t>
+            </a:r>
+            <a:r>
+              <a:rPr lang="en-US" sz="1300" dirty="0">
+                <a:latin typeface="Times New Roman"/>
+                <a:cs typeface="Times New Roman"/>
+              </a:rPr>
+              <a:t>: Show the current user.</a:t>
+            </a:r>
+          </a:p>
+          <a:p>
+            <a:pPr marL="285750" indent="-285750">
+              <a:buFont typeface="Arial"/>
+              <a:buChar char="•"/>
+            </a:pPr>
+            <a:r>
+              <a:rPr lang="en-US" sz="1300" err="1">
+                <a:latin typeface="Times New Roman"/>
+                <a:cs typeface="Times New Roman"/>
+              </a:rPr>
+              <a:t>adduser</a:t>
+            </a:r>
+            <a:r>
+              <a:rPr lang="en-US" sz="1300" dirty="0">
+                <a:latin typeface="Times New Roman"/>
+                <a:cs typeface="Times New Roman"/>
+              </a:rPr>
+              <a:t>: Add a new user.</a:t>
+            </a:r>
+          </a:p>
+          <a:p>
+            <a:pPr marL="285750" indent="-285750">
+              <a:buFont typeface="Arial"/>
+              <a:buChar char="•"/>
+            </a:pPr>
+            <a:r>
+              <a:rPr lang="en-US" sz="1300" dirty="0">
+                <a:latin typeface="Times New Roman"/>
+                <a:cs typeface="Times New Roman"/>
+              </a:rPr>
+              <a:t>passwd: Change a user's password.</a:t>
+            </a:r>
+          </a:p>
+          <a:p>
+            <a:pPr marL="285750" indent="-285750">
+              <a:buFont typeface="Arial"/>
+              <a:buChar char="•"/>
+            </a:pPr>
+            <a:r>
+              <a:rPr lang="en-US" sz="1300" dirty="0">
+                <a:latin typeface="Times New Roman"/>
+                <a:cs typeface="Times New Roman"/>
+              </a:rPr>
+              <a:t>Package Management (varies by distro):</a:t>
+            </a:r>
+          </a:p>
+          <a:p>
+            <a:pPr marL="285750" indent="-285750">
+              <a:buFont typeface="Arial"/>
+              <a:buChar char="•"/>
+            </a:pPr>
+            <a:r>
+              <a:rPr lang="en-US" sz="1300" dirty="0">
+                <a:latin typeface="Times New Roman"/>
+                <a:cs typeface="Times New Roman"/>
+              </a:rPr>
+              <a:t>apt (Debian/Ubuntu): Install, update, or remove software.</a:t>
+            </a:r>
+          </a:p>
+          <a:p>
+            <a:pPr marL="285750" indent="-285750">
+              <a:buFont typeface="Arial"/>
+              <a:buChar char="•"/>
+            </a:pPr>
+            <a:r>
+              <a:rPr lang="en-US" sz="1300" dirty="0">
+                <a:latin typeface="Times New Roman"/>
+                <a:cs typeface="Times New Roman"/>
+              </a:rPr>
+              <a:t>yum or </a:t>
+            </a:r>
+            <a:r>
+              <a:rPr lang="en-US" sz="1300" err="1">
+                <a:latin typeface="Times New Roman"/>
+                <a:cs typeface="Times New Roman"/>
+              </a:rPr>
+              <a:t>dnf</a:t>
+            </a:r>
+            <a:r>
+              <a:rPr lang="en-US" sz="1300" dirty="0">
+                <a:latin typeface="Times New Roman"/>
+                <a:cs typeface="Times New Roman"/>
+              </a:rPr>
+              <a:t> (RHEL/Fedora): Manage packages.</a:t>
+            </a:r>
+          </a:p>
+          <a:p>
+            <a:pPr marL="285750" indent="-285750">
+              <a:buFont typeface="Arial"/>
+              <a:buChar char="•"/>
+            </a:pPr>
+            <a:r>
+              <a:rPr lang="en-US" sz="1300" err="1">
+                <a:latin typeface="Times New Roman"/>
+                <a:cs typeface="Times New Roman"/>
+              </a:rPr>
+              <a:t>pacman</a:t>
+            </a:r>
+            <a:r>
+              <a:rPr lang="en-US" sz="1300" dirty="0">
+                <a:latin typeface="Times New Roman"/>
+                <a:cs typeface="Times New Roman"/>
+              </a:rPr>
+              <a:t> (Arch): Manage packages.</a:t>
+            </a:r>
+          </a:p>
+        </p:txBody>
+      </p:sp>
+    </p:spTree>
+    <p:extLst>
+      <p:ext uri="{BB962C8B-B14F-4D97-AF65-F5344CB8AC3E}">
+        <p14:creationId xmlns:p14="http://schemas.microsoft.com/office/powerpoint/2010/main" val="3839720292"/>
+      </p:ext>
+    </p:extLst>
+  </p:cSld>
+  <p:clrMapOvr>
+    <a:masterClrMapping/>
+  </p:clrMapOvr>
+</p:sld>
+</file>
+
+<file path=ppt/slides/slide21.xml><?xml version="1.0" encoding="utf-8"?>
 <p:sld xmlns:a="http://schemas.openxmlformats.org/drawingml/2006/main" xmlns:r="http://schemas.openxmlformats.org/officeDocument/2006/relationships" xmlns:p="http://schemas.openxmlformats.org/presentationml/2006/main">
   <p:cSld>
     <p:spTree>
